--- a/07.pptx
+++ b/07.pptx
@@ -215,7 +215,7 @@
           <a:p>
             <a:fld id="{AA93C23F-80D8-41F7-A602-5BAA4D96D6F7}" type="datetimeFigureOut">
               <a:rPr lang="ko-KR" altLang="en-US" smtClean="0"/>
-              <a:t>2019-12-21</a:t>
+              <a:t>2025-03-15</a:t>
             </a:fld>
             <a:endParaRPr lang="ko-KR" altLang="en-US"/>
           </a:p>
@@ -1005,7 +1005,7 @@
           <a:p>
             <a:fld id="{AA93C23F-80D8-41F7-A602-5BAA4D96D6F7}" type="datetimeFigureOut">
               <a:rPr lang="ko-KR" altLang="en-US" smtClean="0"/>
-              <a:t>2019-12-21</a:t>
+              <a:t>2025-03-15</a:t>
             </a:fld>
             <a:endParaRPr lang="ko-KR" altLang="en-US"/>
           </a:p>
@@ -1173,7 +1173,7 @@
           <a:p>
             <a:fld id="{AA93C23F-80D8-41F7-A602-5BAA4D96D6F7}" type="datetimeFigureOut">
               <a:rPr lang="ko-KR" altLang="en-US" smtClean="0"/>
-              <a:t>2019-12-21</a:t>
+              <a:t>2025-03-15</a:t>
             </a:fld>
             <a:endParaRPr lang="ko-KR" altLang="en-US"/>
           </a:p>
@@ -1351,7 +1351,7 @@
           <a:p>
             <a:fld id="{AA93C23F-80D8-41F7-A602-5BAA4D96D6F7}" type="datetimeFigureOut">
               <a:rPr lang="ko-KR" altLang="en-US" smtClean="0"/>
-              <a:t>2019-12-21</a:t>
+              <a:t>2025-03-15</a:t>
             </a:fld>
             <a:endParaRPr lang="ko-KR" altLang="en-US"/>
           </a:p>
@@ -1535,7 +1535,7 @@
           <a:p>
             <a:fld id="{AA93C23F-80D8-41F7-A602-5BAA4D96D6F7}" type="datetimeFigureOut">
               <a:rPr lang="ko-KR" altLang="en-US" smtClean="0"/>
-              <a:t>2019-12-21</a:t>
+              <a:t>2025-03-15</a:t>
             </a:fld>
             <a:endParaRPr lang="ko-KR" altLang="en-US"/>
           </a:p>
@@ -1780,7 +1780,7 @@
           <a:p>
             <a:fld id="{AA93C23F-80D8-41F7-A602-5BAA4D96D6F7}" type="datetimeFigureOut">
               <a:rPr lang="ko-KR" altLang="en-US" smtClean="0"/>
-              <a:t>2019-12-21</a:t>
+              <a:t>2025-03-15</a:t>
             </a:fld>
             <a:endParaRPr lang="ko-KR" altLang="en-US"/>
           </a:p>
@@ -2009,7 +2009,7 @@
           <a:p>
             <a:fld id="{AA93C23F-80D8-41F7-A602-5BAA4D96D6F7}" type="datetimeFigureOut">
               <a:rPr lang="ko-KR" altLang="en-US" smtClean="0"/>
-              <a:t>2019-12-21</a:t>
+              <a:t>2025-03-15</a:t>
             </a:fld>
             <a:endParaRPr lang="ko-KR" altLang="en-US"/>
           </a:p>
@@ -2373,7 +2373,7 @@
           <a:p>
             <a:fld id="{AA93C23F-80D8-41F7-A602-5BAA4D96D6F7}" type="datetimeFigureOut">
               <a:rPr lang="ko-KR" altLang="en-US" smtClean="0"/>
-              <a:t>2019-12-21</a:t>
+              <a:t>2025-03-15</a:t>
             </a:fld>
             <a:endParaRPr lang="ko-KR" altLang="en-US"/>
           </a:p>
@@ -2468,7 +2468,7 @@
           <a:p>
             <a:fld id="{AA93C23F-80D8-41F7-A602-5BAA4D96D6F7}" type="datetimeFigureOut">
               <a:rPr lang="ko-KR" altLang="en-US" smtClean="0"/>
-              <a:t>2019-12-21</a:t>
+              <a:t>2025-03-15</a:t>
             </a:fld>
             <a:endParaRPr lang="ko-KR" altLang="en-US"/>
           </a:p>
@@ -2805,7 +2805,7 @@
           <a:p>
             <a:fld id="{AA93C23F-80D8-41F7-A602-5BAA4D96D6F7}" type="datetimeFigureOut">
               <a:rPr lang="ko-KR" altLang="en-US" smtClean="0"/>
-              <a:t>2019-12-21</a:t>
+              <a:t>2025-03-15</a:t>
             </a:fld>
             <a:endParaRPr lang="ko-KR" altLang="en-US"/>
           </a:p>
@@ -2912,7 +2912,7 @@
           <a:p>
             <a:fld id="{AA93C23F-80D8-41F7-A602-5BAA4D96D6F7}" type="datetimeFigureOut">
               <a:rPr lang="ko-KR" altLang="en-US" smtClean="0"/>
-              <a:t>2019-12-21</a:t>
+              <a:t>2025-03-15</a:t>
             </a:fld>
             <a:endParaRPr lang="ko-KR" altLang="en-US"/>
           </a:p>
@@ -3187,7 +3187,7 @@
           <a:p>
             <a:fld id="{AA93C23F-80D8-41F7-A602-5BAA4D96D6F7}" type="datetimeFigureOut">
               <a:rPr lang="ko-KR" altLang="en-US" smtClean="0"/>
-              <a:t>2019-12-21</a:t>
+              <a:t>2025-03-15</a:t>
             </a:fld>
             <a:endParaRPr lang="ko-KR" altLang="en-US"/>
           </a:p>
@@ -3398,7 +3398,7 @@
           <a:p>
             <a:fld id="{AA93C23F-80D8-41F7-A602-5BAA4D96D6F7}" type="datetimeFigureOut">
               <a:rPr lang="ko-KR" altLang="en-US" smtClean="0"/>
-              <a:t>2019-12-21</a:t>
+              <a:t>2025-03-15</a:t>
             </a:fld>
             <a:endParaRPr lang="ko-KR" altLang="en-US"/>
           </a:p>
@@ -4289,6 +4289,144 @@
           </a:prstGeom>
         </p:spPr>
       </p:pic>
+      <p:sp>
+        <p:nvSpPr>
+          <p:cNvPr id="7" name="TextBox 11">
+            <a:extLst>
+              <a:ext uri="{FF2B5EF4-FFF2-40B4-BE49-F238E27FC236}">
+                <a16:creationId xmlns:a16="http://schemas.microsoft.com/office/drawing/2014/main" id="{FA4A01FA-805E-4A58-BF7A-BD328A4246D8}"/>
+              </a:ext>
+            </a:extLst>
+          </p:cNvPr>
+          <p:cNvSpPr txBox="1"/>
+          <p:nvPr/>
+        </p:nvSpPr>
+        <p:spPr>
+          <a:xfrm>
+            <a:off x="10661586" y="340684"/>
+            <a:ext cx="667170" cy="338554"/>
+          </a:xfrm>
+          <a:prstGeom prst="rect">
+            <a:avLst/>
+          </a:prstGeom>
+          <a:noFill/>
+        </p:spPr>
+        <p:txBody>
+          <a:bodyPr wrap="none" rtlCol="0">
+            <a:spAutoFit/>
+          </a:bodyPr>
+          <a:lstStyle>
+            <a:defPPr>
+              <a:defRPr lang="ko-KR"/>
+            </a:defPPr>
+            <a:lvl1pPr marL="0" algn="l" defTabSz="914400" rtl="0" eaLnBrk="1" latinLnBrk="1" hangingPunct="1">
+              <a:defRPr sz="1800" kern="1200">
+                <a:solidFill>
+                  <a:schemeClr val="tx1"/>
+                </a:solidFill>
+                <a:latin typeface="+mn-lt"/>
+                <a:ea typeface="+mn-ea"/>
+                <a:cs typeface="+mn-cs"/>
+              </a:defRPr>
+            </a:lvl1pPr>
+            <a:lvl2pPr marL="457200" algn="l" defTabSz="914400" rtl="0" eaLnBrk="1" latinLnBrk="1" hangingPunct="1">
+              <a:defRPr sz="1800" kern="1200">
+                <a:solidFill>
+                  <a:schemeClr val="tx1"/>
+                </a:solidFill>
+                <a:latin typeface="+mn-lt"/>
+                <a:ea typeface="+mn-ea"/>
+                <a:cs typeface="+mn-cs"/>
+              </a:defRPr>
+            </a:lvl2pPr>
+            <a:lvl3pPr marL="914400" algn="l" defTabSz="914400" rtl="0" eaLnBrk="1" latinLnBrk="1" hangingPunct="1">
+              <a:defRPr sz="1800" kern="1200">
+                <a:solidFill>
+                  <a:schemeClr val="tx1"/>
+                </a:solidFill>
+                <a:latin typeface="+mn-lt"/>
+                <a:ea typeface="+mn-ea"/>
+                <a:cs typeface="+mn-cs"/>
+              </a:defRPr>
+            </a:lvl3pPr>
+            <a:lvl4pPr marL="1371600" algn="l" defTabSz="914400" rtl="0" eaLnBrk="1" latinLnBrk="1" hangingPunct="1">
+              <a:defRPr sz="1800" kern="1200">
+                <a:solidFill>
+                  <a:schemeClr val="tx1"/>
+                </a:solidFill>
+                <a:latin typeface="+mn-lt"/>
+                <a:ea typeface="+mn-ea"/>
+                <a:cs typeface="+mn-cs"/>
+              </a:defRPr>
+            </a:lvl4pPr>
+            <a:lvl5pPr marL="1828800" algn="l" defTabSz="914400" rtl="0" eaLnBrk="1" latinLnBrk="1" hangingPunct="1">
+              <a:defRPr sz="1800" kern="1200">
+                <a:solidFill>
+                  <a:schemeClr val="tx1"/>
+                </a:solidFill>
+                <a:latin typeface="+mn-lt"/>
+                <a:ea typeface="+mn-ea"/>
+                <a:cs typeface="+mn-cs"/>
+              </a:defRPr>
+            </a:lvl5pPr>
+            <a:lvl6pPr marL="2286000" algn="l" defTabSz="914400" rtl="0" eaLnBrk="1" latinLnBrk="1" hangingPunct="1">
+              <a:defRPr sz="1800" kern="1200">
+                <a:solidFill>
+                  <a:schemeClr val="tx1"/>
+                </a:solidFill>
+                <a:latin typeface="+mn-lt"/>
+                <a:ea typeface="+mn-ea"/>
+                <a:cs typeface="+mn-cs"/>
+              </a:defRPr>
+            </a:lvl6pPr>
+            <a:lvl7pPr marL="2743200" algn="l" defTabSz="914400" rtl="0" eaLnBrk="1" latinLnBrk="1" hangingPunct="1">
+              <a:defRPr sz="1800" kern="1200">
+                <a:solidFill>
+                  <a:schemeClr val="tx1"/>
+                </a:solidFill>
+                <a:latin typeface="+mn-lt"/>
+                <a:ea typeface="+mn-ea"/>
+                <a:cs typeface="+mn-cs"/>
+              </a:defRPr>
+            </a:lvl7pPr>
+            <a:lvl8pPr marL="3200400" algn="l" defTabSz="914400" rtl="0" eaLnBrk="1" latinLnBrk="1" hangingPunct="1">
+              <a:defRPr sz="1800" kern="1200">
+                <a:solidFill>
+                  <a:schemeClr val="tx1"/>
+                </a:solidFill>
+                <a:latin typeface="+mn-lt"/>
+                <a:ea typeface="+mn-ea"/>
+                <a:cs typeface="+mn-cs"/>
+              </a:defRPr>
+            </a:lvl8pPr>
+            <a:lvl9pPr marL="3657600" algn="l" defTabSz="914400" rtl="0" eaLnBrk="1" latinLnBrk="1" hangingPunct="1">
+              <a:defRPr sz="1800" kern="1200">
+                <a:solidFill>
+                  <a:schemeClr val="tx1"/>
+                </a:solidFill>
+                <a:latin typeface="+mn-lt"/>
+                <a:ea typeface="+mn-ea"/>
+                <a:cs typeface="+mn-cs"/>
+              </a:defRPr>
+            </a:lvl9pPr>
+          </a:lstStyle>
+          <a:p>
+            <a:r>
+              <a:rPr lang="en-US" altLang="ko-KR" sz="1600" b="1" dirty="0">
+                <a:solidFill>
+                  <a:schemeClr val="bg1"/>
+                </a:solidFill>
+              </a:rPr>
+              <a:t>P274</a:t>
+            </a:r>
+            <a:endParaRPr lang="ko-KR" altLang="en-US" sz="1600" b="1" dirty="0">
+              <a:solidFill>
+                <a:schemeClr val="bg1"/>
+              </a:solidFill>
+            </a:endParaRPr>
+          </a:p>
+        </p:txBody>
+      </p:sp>
     </p:spTree>
     <p:extLst>
       <p:ext uri="{BB962C8B-B14F-4D97-AF65-F5344CB8AC3E}">
@@ -4558,6 +4696,144 @@
           </a:prstGeom>
         </p:spPr>
       </p:pic>
+      <p:sp>
+        <p:nvSpPr>
+          <p:cNvPr id="6" name="TextBox 11">
+            <a:extLst>
+              <a:ext uri="{FF2B5EF4-FFF2-40B4-BE49-F238E27FC236}">
+                <a16:creationId xmlns:a16="http://schemas.microsoft.com/office/drawing/2014/main" id="{01265799-AB28-4213-8199-F189E5CB207B}"/>
+              </a:ext>
+            </a:extLst>
+          </p:cNvPr>
+          <p:cNvSpPr txBox="1"/>
+          <p:nvPr/>
+        </p:nvSpPr>
+        <p:spPr>
+          <a:xfrm>
+            <a:off x="10661586" y="340684"/>
+            <a:ext cx="667170" cy="338554"/>
+          </a:xfrm>
+          <a:prstGeom prst="rect">
+            <a:avLst/>
+          </a:prstGeom>
+          <a:noFill/>
+        </p:spPr>
+        <p:txBody>
+          <a:bodyPr wrap="none" rtlCol="0">
+            <a:spAutoFit/>
+          </a:bodyPr>
+          <a:lstStyle>
+            <a:defPPr>
+              <a:defRPr lang="ko-KR"/>
+            </a:defPPr>
+            <a:lvl1pPr marL="0" algn="l" defTabSz="914400" rtl="0" eaLnBrk="1" latinLnBrk="1" hangingPunct="1">
+              <a:defRPr sz="1800" kern="1200">
+                <a:solidFill>
+                  <a:schemeClr val="tx1"/>
+                </a:solidFill>
+                <a:latin typeface="+mn-lt"/>
+                <a:ea typeface="+mn-ea"/>
+                <a:cs typeface="+mn-cs"/>
+              </a:defRPr>
+            </a:lvl1pPr>
+            <a:lvl2pPr marL="457200" algn="l" defTabSz="914400" rtl="0" eaLnBrk="1" latinLnBrk="1" hangingPunct="1">
+              <a:defRPr sz="1800" kern="1200">
+                <a:solidFill>
+                  <a:schemeClr val="tx1"/>
+                </a:solidFill>
+                <a:latin typeface="+mn-lt"/>
+                <a:ea typeface="+mn-ea"/>
+                <a:cs typeface="+mn-cs"/>
+              </a:defRPr>
+            </a:lvl2pPr>
+            <a:lvl3pPr marL="914400" algn="l" defTabSz="914400" rtl="0" eaLnBrk="1" latinLnBrk="1" hangingPunct="1">
+              <a:defRPr sz="1800" kern="1200">
+                <a:solidFill>
+                  <a:schemeClr val="tx1"/>
+                </a:solidFill>
+                <a:latin typeface="+mn-lt"/>
+                <a:ea typeface="+mn-ea"/>
+                <a:cs typeface="+mn-cs"/>
+              </a:defRPr>
+            </a:lvl3pPr>
+            <a:lvl4pPr marL="1371600" algn="l" defTabSz="914400" rtl="0" eaLnBrk="1" latinLnBrk="1" hangingPunct="1">
+              <a:defRPr sz="1800" kern="1200">
+                <a:solidFill>
+                  <a:schemeClr val="tx1"/>
+                </a:solidFill>
+                <a:latin typeface="+mn-lt"/>
+                <a:ea typeface="+mn-ea"/>
+                <a:cs typeface="+mn-cs"/>
+              </a:defRPr>
+            </a:lvl4pPr>
+            <a:lvl5pPr marL="1828800" algn="l" defTabSz="914400" rtl="0" eaLnBrk="1" latinLnBrk="1" hangingPunct="1">
+              <a:defRPr sz="1800" kern="1200">
+                <a:solidFill>
+                  <a:schemeClr val="tx1"/>
+                </a:solidFill>
+                <a:latin typeface="+mn-lt"/>
+                <a:ea typeface="+mn-ea"/>
+                <a:cs typeface="+mn-cs"/>
+              </a:defRPr>
+            </a:lvl5pPr>
+            <a:lvl6pPr marL="2286000" algn="l" defTabSz="914400" rtl="0" eaLnBrk="1" latinLnBrk="1" hangingPunct="1">
+              <a:defRPr sz="1800" kern="1200">
+                <a:solidFill>
+                  <a:schemeClr val="tx1"/>
+                </a:solidFill>
+                <a:latin typeface="+mn-lt"/>
+                <a:ea typeface="+mn-ea"/>
+                <a:cs typeface="+mn-cs"/>
+              </a:defRPr>
+            </a:lvl6pPr>
+            <a:lvl7pPr marL="2743200" algn="l" defTabSz="914400" rtl="0" eaLnBrk="1" latinLnBrk="1" hangingPunct="1">
+              <a:defRPr sz="1800" kern="1200">
+                <a:solidFill>
+                  <a:schemeClr val="tx1"/>
+                </a:solidFill>
+                <a:latin typeface="+mn-lt"/>
+                <a:ea typeface="+mn-ea"/>
+                <a:cs typeface="+mn-cs"/>
+              </a:defRPr>
+            </a:lvl7pPr>
+            <a:lvl8pPr marL="3200400" algn="l" defTabSz="914400" rtl="0" eaLnBrk="1" latinLnBrk="1" hangingPunct="1">
+              <a:defRPr sz="1800" kern="1200">
+                <a:solidFill>
+                  <a:schemeClr val="tx1"/>
+                </a:solidFill>
+                <a:latin typeface="+mn-lt"/>
+                <a:ea typeface="+mn-ea"/>
+                <a:cs typeface="+mn-cs"/>
+              </a:defRPr>
+            </a:lvl8pPr>
+            <a:lvl9pPr marL="3657600" algn="l" defTabSz="914400" rtl="0" eaLnBrk="1" latinLnBrk="1" hangingPunct="1">
+              <a:defRPr sz="1800" kern="1200">
+                <a:solidFill>
+                  <a:schemeClr val="tx1"/>
+                </a:solidFill>
+                <a:latin typeface="+mn-lt"/>
+                <a:ea typeface="+mn-ea"/>
+                <a:cs typeface="+mn-cs"/>
+              </a:defRPr>
+            </a:lvl9pPr>
+          </a:lstStyle>
+          <a:p>
+            <a:r>
+              <a:rPr lang="en-US" altLang="ko-KR" sz="1600" b="1" dirty="0">
+                <a:solidFill>
+                  <a:schemeClr val="bg1"/>
+                </a:solidFill>
+              </a:rPr>
+              <a:t>P275</a:t>
+            </a:r>
+            <a:endParaRPr lang="ko-KR" altLang="en-US" sz="1600" b="1" dirty="0">
+              <a:solidFill>
+                <a:schemeClr val="bg1"/>
+              </a:solidFill>
+            </a:endParaRPr>
+          </a:p>
+        </p:txBody>
+      </p:sp>
     </p:spTree>
     <p:extLst>
       <p:ext uri="{BB962C8B-B14F-4D97-AF65-F5344CB8AC3E}">
@@ -5818,6 +6094,144 @@
           </a:prstGeom>
         </p:spPr>
       </p:pic>
+      <p:sp>
+        <p:nvSpPr>
+          <p:cNvPr id="12" name="TextBox 11">
+            <a:extLst>
+              <a:ext uri="{FF2B5EF4-FFF2-40B4-BE49-F238E27FC236}">
+                <a16:creationId xmlns:a16="http://schemas.microsoft.com/office/drawing/2014/main" id="{EC44080A-EDE8-48ED-8374-413D13E5BF21}"/>
+              </a:ext>
+            </a:extLst>
+          </p:cNvPr>
+          <p:cNvSpPr txBox="1"/>
+          <p:nvPr/>
+        </p:nvSpPr>
+        <p:spPr>
+          <a:xfrm>
+            <a:off x="10661586" y="340684"/>
+            <a:ext cx="667170" cy="338554"/>
+          </a:xfrm>
+          <a:prstGeom prst="rect">
+            <a:avLst/>
+          </a:prstGeom>
+          <a:noFill/>
+        </p:spPr>
+        <p:txBody>
+          <a:bodyPr wrap="none" rtlCol="0">
+            <a:spAutoFit/>
+          </a:bodyPr>
+          <a:lstStyle>
+            <a:defPPr>
+              <a:defRPr lang="ko-KR"/>
+            </a:defPPr>
+            <a:lvl1pPr marL="0" algn="l" defTabSz="914400" rtl="0" eaLnBrk="1" latinLnBrk="1" hangingPunct="1">
+              <a:defRPr sz="1800" kern="1200">
+                <a:solidFill>
+                  <a:schemeClr val="tx1"/>
+                </a:solidFill>
+                <a:latin typeface="+mn-lt"/>
+                <a:ea typeface="+mn-ea"/>
+                <a:cs typeface="+mn-cs"/>
+              </a:defRPr>
+            </a:lvl1pPr>
+            <a:lvl2pPr marL="457200" algn="l" defTabSz="914400" rtl="0" eaLnBrk="1" latinLnBrk="1" hangingPunct="1">
+              <a:defRPr sz="1800" kern="1200">
+                <a:solidFill>
+                  <a:schemeClr val="tx1"/>
+                </a:solidFill>
+                <a:latin typeface="+mn-lt"/>
+                <a:ea typeface="+mn-ea"/>
+                <a:cs typeface="+mn-cs"/>
+              </a:defRPr>
+            </a:lvl2pPr>
+            <a:lvl3pPr marL="914400" algn="l" defTabSz="914400" rtl="0" eaLnBrk="1" latinLnBrk="1" hangingPunct="1">
+              <a:defRPr sz="1800" kern="1200">
+                <a:solidFill>
+                  <a:schemeClr val="tx1"/>
+                </a:solidFill>
+                <a:latin typeface="+mn-lt"/>
+                <a:ea typeface="+mn-ea"/>
+                <a:cs typeface="+mn-cs"/>
+              </a:defRPr>
+            </a:lvl3pPr>
+            <a:lvl4pPr marL="1371600" algn="l" defTabSz="914400" rtl="0" eaLnBrk="1" latinLnBrk="1" hangingPunct="1">
+              <a:defRPr sz="1800" kern="1200">
+                <a:solidFill>
+                  <a:schemeClr val="tx1"/>
+                </a:solidFill>
+                <a:latin typeface="+mn-lt"/>
+                <a:ea typeface="+mn-ea"/>
+                <a:cs typeface="+mn-cs"/>
+              </a:defRPr>
+            </a:lvl4pPr>
+            <a:lvl5pPr marL="1828800" algn="l" defTabSz="914400" rtl="0" eaLnBrk="1" latinLnBrk="1" hangingPunct="1">
+              <a:defRPr sz="1800" kern="1200">
+                <a:solidFill>
+                  <a:schemeClr val="tx1"/>
+                </a:solidFill>
+                <a:latin typeface="+mn-lt"/>
+                <a:ea typeface="+mn-ea"/>
+                <a:cs typeface="+mn-cs"/>
+              </a:defRPr>
+            </a:lvl5pPr>
+            <a:lvl6pPr marL="2286000" algn="l" defTabSz="914400" rtl="0" eaLnBrk="1" latinLnBrk="1" hangingPunct="1">
+              <a:defRPr sz="1800" kern="1200">
+                <a:solidFill>
+                  <a:schemeClr val="tx1"/>
+                </a:solidFill>
+                <a:latin typeface="+mn-lt"/>
+                <a:ea typeface="+mn-ea"/>
+                <a:cs typeface="+mn-cs"/>
+              </a:defRPr>
+            </a:lvl6pPr>
+            <a:lvl7pPr marL="2743200" algn="l" defTabSz="914400" rtl="0" eaLnBrk="1" latinLnBrk="1" hangingPunct="1">
+              <a:defRPr sz="1800" kern="1200">
+                <a:solidFill>
+                  <a:schemeClr val="tx1"/>
+                </a:solidFill>
+                <a:latin typeface="+mn-lt"/>
+                <a:ea typeface="+mn-ea"/>
+                <a:cs typeface="+mn-cs"/>
+              </a:defRPr>
+            </a:lvl7pPr>
+            <a:lvl8pPr marL="3200400" algn="l" defTabSz="914400" rtl="0" eaLnBrk="1" latinLnBrk="1" hangingPunct="1">
+              <a:defRPr sz="1800" kern="1200">
+                <a:solidFill>
+                  <a:schemeClr val="tx1"/>
+                </a:solidFill>
+                <a:latin typeface="+mn-lt"/>
+                <a:ea typeface="+mn-ea"/>
+                <a:cs typeface="+mn-cs"/>
+              </a:defRPr>
+            </a:lvl8pPr>
+            <a:lvl9pPr marL="3657600" algn="l" defTabSz="914400" rtl="0" eaLnBrk="1" latinLnBrk="1" hangingPunct="1">
+              <a:defRPr sz="1800" kern="1200">
+                <a:solidFill>
+                  <a:schemeClr val="tx1"/>
+                </a:solidFill>
+                <a:latin typeface="+mn-lt"/>
+                <a:ea typeface="+mn-ea"/>
+                <a:cs typeface="+mn-cs"/>
+              </a:defRPr>
+            </a:lvl9pPr>
+          </a:lstStyle>
+          <a:p>
+            <a:r>
+              <a:rPr lang="en-US" altLang="ko-KR" sz="1600" b="1" dirty="0">
+                <a:solidFill>
+                  <a:schemeClr val="bg1"/>
+                </a:solidFill>
+              </a:rPr>
+              <a:t>P276</a:t>
+            </a:r>
+            <a:endParaRPr lang="ko-KR" altLang="en-US" sz="1600" b="1" dirty="0">
+              <a:solidFill>
+                <a:schemeClr val="bg1"/>
+              </a:solidFill>
+            </a:endParaRPr>
+          </a:p>
+        </p:txBody>
+      </p:sp>
     </p:spTree>
     <p:extLst>
       <p:ext uri="{BB962C8B-B14F-4D97-AF65-F5344CB8AC3E}">
@@ -7481,6 +7895,144 @@
           </a:prstGeom>
         </p:spPr>
       </p:pic>
+      <p:sp>
+        <p:nvSpPr>
+          <p:cNvPr id="10" name="TextBox 11">
+            <a:extLst>
+              <a:ext uri="{FF2B5EF4-FFF2-40B4-BE49-F238E27FC236}">
+                <a16:creationId xmlns:a16="http://schemas.microsoft.com/office/drawing/2014/main" id="{2A2838DB-104A-4ECB-BF75-DBC1C7BF9FB2}"/>
+              </a:ext>
+            </a:extLst>
+          </p:cNvPr>
+          <p:cNvSpPr txBox="1"/>
+          <p:nvPr/>
+        </p:nvSpPr>
+        <p:spPr>
+          <a:xfrm>
+            <a:off x="10661586" y="340684"/>
+            <a:ext cx="667170" cy="338554"/>
+          </a:xfrm>
+          <a:prstGeom prst="rect">
+            <a:avLst/>
+          </a:prstGeom>
+          <a:noFill/>
+        </p:spPr>
+        <p:txBody>
+          <a:bodyPr wrap="none" rtlCol="0">
+            <a:spAutoFit/>
+          </a:bodyPr>
+          <a:lstStyle>
+            <a:defPPr>
+              <a:defRPr lang="ko-KR"/>
+            </a:defPPr>
+            <a:lvl1pPr marL="0" algn="l" defTabSz="914400" rtl="0" eaLnBrk="1" latinLnBrk="1" hangingPunct="1">
+              <a:defRPr sz="1800" kern="1200">
+                <a:solidFill>
+                  <a:schemeClr val="tx1"/>
+                </a:solidFill>
+                <a:latin typeface="+mn-lt"/>
+                <a:ea typeface="+mn-ea"/>
+                <a:cs typeface="+mn-cs"/>
+              </a:defRPr>
+            </a:lvl1pPr>
+            <a:lvl2pPr marL="457200" algn="l" defTabSz="914400" rtl="0" eaLnBrk="1" latinLnBrk="1" hangingPunct="1">
+              <a:defRPr sz="1800" kern="1200">
+                <a:solidFill>
+                  <a:schemeClr val="tx1"/>
+                </a:solidFill>
+                <a:latin typeface="+mn-lt"/>
+                <a:ea typeface="+mn-ea"/>
+                <a:cs typeface="+mn-cs"/>
+              </a:defRPr>
+            </a:lvl2pPr>
+            <a:lvl3pPr marL="914400" algn="l" defTabSz="914400" rtl="0" eaLnBrk="1" latinLnBrk="1" hangingPunct="1">
+              <a:defRPr sz="1800" kern="1200">
+                <a:solidFill>
+                  <a:schemeClr val="tx1"/>
+                </a:solidFill>
+                <a:latin typeface="+mn-lt"/>
+                <a:ea typeface="+mn-ea"/>
+                <a:cs typeface="+mn-cs"/>
+              </a:defRPr>
+            </a:lvl3pPr>
+            <a:lvl4pPr marL="1371600" algn="l" defTabSz="914400" rtl="0" eaLnBrk="1" latinLnBrk="1" hangingPunct="1">
+              <a:defRPr sz="1800" kern="1200">
+                <a:solidFill>
+                  <a:schemeClr val="tx1"/>
+                </a:solidFill>
+                <a:latin typeface="+mn-lt"/>
+                <a:ea typeface="+mn-ea"/>
+                <a:cs typeface="+mn-cs"/>
+              </a:defRPr>
+            </a:lvl4pPr>
+            <a:lvl5pPr marL="1828800" algn="l" defTabSz="914400" rtl="0" eaLnBrk="1" latinLnBrk="1" hangingPunct="1">
+              <a:defRPr sz="1800" kern="1200">
+                <a:solidFill>
+                  <a:schemeClr val="tx1"/>
+                </a:solidFill>
+                <a:latin typeface="+mn-lt"/>
+                <a:ea typeface="+mn-ea"/>
+                <a:cs typeface="+mn-cs"/>
+              </a:defRPr>
+            </a:lvl5pPr>
+            <a:lvl6pPr marL="2286000" algn="l" defTabSz="914400" rtl="0" eaLnBrk="1" latinLnBrk="1" hangingPunct="1">
+              <a:defRPr sz="1800" kern="1200">
+                <a:solidFill>
+                  <a:schemeClr val="tx1"/>
+                </a:solidFill>
+                <a:latin typeface="+mn-lt"/>
+                <a:ea typeface="+mn-ea"/>
+                <a:cs typeface="+mn-cs"/>
+              </a:defRPr>
+            </a:lvl6pPr>
+            <a:lvl7pPr marL="2743200" algn="l" defTabSz="914400" rtl="0" eaLnBrk="1" latinLnBrk="1" hangingPunct="1">
+              <a:defRPr sz="1800" kern="1200">
+                <a:solidFill>
+                  <a:schemeClr val="tx1"/>
+                </a:solidFill>
+                <a:latin typeface="+mn-lt"/>
+                <a:ea typeface="+mn-ea"/>
+                <a:cs typeface="+mn-cs"/>
+              </a:defRPr>
+            </a:lvl7pPr>
+            <a:lvl8pPr marL="3200400" algn="l" defTabSz="914400" rtl="0" eaLnBrk="1" latinLnBrk="1" hangingPunct="1">
+              <a:defRPr sz="1800" kern="1200">
+                <a:solidFill>
+                  <a:schemeClr val="tx1"/>
+                </a:solidFill>
+                <a:latin typeface="+mn-lt"/>
+                <a:ea typeface="+mn-ea"/>
+                <a:cs typeface="+mn-cs"/>
+              </a:defRPr>
+            </a:lvl8pPr>
+            <a:lvl9pPr marL="3657600" algn="l" defTabSz="914400" rtl="0" eaLnBrk="1" latinLnBrk="1" hangingPunct="1">
+              <a:defRPr sz="1800" kern="1200">
+                <a:solidFill>
+                  <a:schemeClr val="tx1"/>
+                </a:solidFill>
+                <a:latin typeface="+mn-lt"/>
+                <a:ea typeface="+mn-ea"/>
+                <a:cs typeface="+mn-cs"/>
+              </a:defRPr>
+            </a:lvl9pPr>
+          </a:lstStyle>
+          <a:p>
+            <a:r>
+              <a:rPr lang="en-US" altLang="ko-KR" sz="1600" b="1" dirty="0">
+                <a:solidFill>
+                  <a:schemeClr val="bg1"/>
+                </a:solidFill>
+              </a:rPr>
+              <a:t>P277</a:t>
+            </a:r>
+            <a:endParaRPr lang="ko-KR" altLang="en-US" sz="1600" b="1" dirty="0">
+              <a:solidFill>
+                <a:schemeClr val="bg1"/>
+              </a:solidFill>
+            </a:endParaRPr>
+          </a:p>
+        </p:txBody>
+      </p:sp>
     </p:spTree>
     <p:extLst>
       <p:ext uri="{BB962C8B-B14F-4D97-AF65-F5344CB8AC3E}">
@@ -9060,6 +9612,144 @@
           </a:prstGeom>
         </p:spPr>
       </p:pic>
+      <p:sp>
+        <p:nvSpPr>
+          <p:cNvPr id="10" name="TextBox 11">
+            <a:extLst>
+              <a:ext uri="{FF2B5EF4-FFF2-40B4-BE49-F238E27FC236}">
+                <a16:creationId xmlns:a16="http://schemas.microsoft.com/office/drawing/2014/main" id="{64D56640-2082-4DB7-8B9E-3254958F1F15}"/>
+              </a:ext>
+            </a:extLst>
+          </p:cNvPr>
+          <p:cNvSpPr txBox="1"/>
+          <p:nvPr/>
+        </p:nvSpPr>
+        <p:spPr>
+          <a:xfrm>
+            <a:off x="10661586" y="340684"/>
+            <a:ext cx="1107996" cy="338554"/>
+          </a:xfrm>
+          <a:prstGeom prst="rect">
+            <a:avLst/>
+          </a:prstGeom>
+          <a:noFill/>
+        </p:spPr>
+        <p:txBody>
+          <a:bodyPr wrap="none" rtlCol="0">
+            <a:spAutoFit/>
+          </a:bodyPr>
+          <a:lstStyle>
+            <a:defPPr>
+              <a:defRPr lang="ko-KR"/>
+            </a:defPPr>
+            <a:lvl1pPr marL="0" algn="l" defTabSz="914400" rtl="0" eaLnBrk="1" latinLnBrk="1" hangingPunct="1">
+              <a:defRPr sz="1800" kern="1200">
+                <a:solidFill>
+                  <a:schemeClr val="tx1"/>
+                </a:solidFill>
+                <a:latin typeface="+mn-lt"/>
+                <a:ea typeface="+mn-ea"/>
+                <a:cs typeface="+mn-cs"/>
+              </a:defRPr>
+            </a:lvl1pPr>
+            <a:lvl2pPr marL="457200" algn="l" defTabSz="914400" rtl="0" eaLnBrk="1" latinLnBrk="1" hangingPunct="1">
+              <a:defRPr sz="1800" kern="1200">
+                <a:solidFill>
+                  <a:schemeClr val="tx1"/>
+                </a:solidFill>
+                <a:latin typeface="+mn-lt"/>
+                <a:ea typeface="+mn-ea"/>
+                <a:cs typeface="+mn-cs"/>
+              </a:defRPr>
+            </a:lvl2pPr>
+            <a:lvl3pPr marL="914400" algn="l" defTabSz="914400" rtl="0" eaLnBrk="1" latinLnBrk="1" hangingPunct="1">
+              <a:defRPr sz="1800" kern="1200">
+                <a:solidFill>
+                  <a:schemeClr val="tx1"/>
+                </a:solidFill>
+                <a:latin typeface="+mn-lt"/>
+                <a:ea typeface="+mn-ea"/>
+                <a:cs typeface="+mn-cs"/>
+              </a:defRPr>
+            </a:lvl3pPr>
+            <a:lvl4pPr marL="1371600" algn="l" defTabSz="914400" rtl="0" eaLnBrk="1" latinLnBrk="1" hangingPunct="1">
+              <a:defRPr sz="1800" kern="1200">
+                <a:solidFill>
+                  <a:schemeClr val="tx1"/>
+                </a:solidFill>
+                <a:latin typeface="+mn-lt"/>
+                <a:ea typeface="+mn-ea"/>
+                <a:cs typeface="+mn-cs"/>
+              </a:defRPr>
+            </a:lvl4pPr>
+            <a:lvl5pPr marL="1828800" algn="l" defTabSz="914400" rtl="0" eaLnBrk="1" latinLnBrk="1" hangingPunct="1">
+              <a:defRPr sz="1800" kern="1200">
+                <a:solidFill>
+                  <a:schemeClr val="tx1"/>
+                </a:solidFill>
+                <a:latin typeface="+mn-lt"/>
+                <a:ea typeface="+mn-ea"/>
+                <a:cs typeface="+mn-cs"/>
+              </a:defRPr>
+            </a:lvl5pPr>
+            <a:lvl6pPr marL="2286000" algn="l" defTabSz="914400" rtl="0" eaLnBrk="1" latinLnBrk="1" hangingPunct="1">
+              <a:defRPr sz="1800" kern="1200">
+                <a:solidFill>
+                  <a:schemeClr val="tx1"/>
+                </a:solidFill>
+                <a:latin typeface="+mn-lt"/>
+                <a:ea typeface="+mn-ea"/>
+                <a:cs typeface="+mn-cs"/>
+              </a:defRPr>
+            </a:lvl6pPr>
+            <a:lvl7pPr marL="2743200" algn="l" defTabSz="914400" rtl="0" eaLnBrk="1" latinLnBrk="1" hangingPunct="1">
+              <a:defRPr sz="1800" kern="1200">
+                <a:solidFill>
+                  <a:schemeClr val="tx1"/>
+                </a:solidFill>
+                <a:latin typeface="+mn-lt"/>
+                <a:ea typeface="+mn-ea"/>
+                <a:cs typeface="+mn-cs"/>
+              </a:defRPr>
+            </a:lvl7pPr>
+            <a:lvl8pPr marL="3200400" algn="l" defTabSz="914400" rtl="0" eaLnBrk="1" latinLnBrk="1" hangingPunct="1">
+              <a:defRPr sz="1800" kern="1200">
+                <a:solidFill>
+                  <a:schemeClr val="tx1"/>
+                </a:solidFill>
+                <a:latin typeface="+mn-lt"/>
+                <a:ea typeface="+mn-ea"/>
+                <a:cs typeface="+mn-cs"/>
+              </a:defRPr>
+            </a:lvl8pPr>
+            <a:lvl9pPr marL="3657600" algn="l" defTabSz="914400" rtl="0" eaLnBrk="1" latinLnBrk="1" hangingPunct="1">
+              <a:defRPr sz="1800" kern="1200">
+                <a:solidFill>
+                  <a:schemeClr val="tx1"/>
+                </a:solidFill>
+                <a:latin typeface="+mn-lt"/>
+                <a:ea typeface="+mn-ea"/>
+                <a:cs typeface="+mn-cs"/>
+              </a:defRPr>
+            </a:lvl9pPr>
+          </a:lstStyle>
+          <a:p>
+            <a:r>
+              <a:rPr lang="en-US" altLang="ko-KR" sz="1600" b="1" dirty="0">
+                <a:solidFill>
+                  <a:schemeClr val="bg1"/>
+                </a:solidFill>
+              </a:rPr>
+              <a:t>P277-278</a:t>
+            </a:r>
+            <a:endParaRPr lang="ko-KR" altLang="en-US" sz="1600" b="1" dirty="0">
+              <a:solidFill>
+                <a:schemeClr val="bg1"/>
+              </a:solidFill>
+            </a:endParaRPr>
+          </a:p>
+        </p:txBody>
+      </p:sp>
     </p:spTree>
     <p:extLst>
       <p:ext uri="{BB962C8B-B14F-4D97-AF65-F5344CB8AC3E}">
@@ -10621,6 +11311,144 @@
           </a:prstGeom>
         </p:spPr>
       </p:pic>
+      <p:sp>
+        <p:nvSpPr>
+          <p:cNvPr id="11" name="TextBox 11">
+            <a:extLst>
+              <a:ext uri="{FF2B5EF4-FFF2-40B4-BE49-F238E27FC236}">
+                <a16:creationId xmlns:a16="http://schemas.microsoft.com/office/drawing/2014/main" id="{1B8ECC9A-88B0-414A-830E-CE0D67AC0FBE}"/>
+              </a:ext>
+            </a:extLst>
+          </p:cNvPr>
+          <p:cNvSpPr txBox="1"/>
+          <p:nvPr/>
+        </p:nvSpPr>
+        <p:spPr>
+          <a:xfrm>
+            <a:off x="10661586" y="340684"/>
+            <a:ext cx="1107996" cy="338554"/>
+          </a:xfrm>
+          <a:prstGeom prst="rect">
+            <a:avLst/>
+          </a:prstGeom>
+          <a:noFill/>
+        </p:spPr>
+        <p:txBody>
+          <a:bodyPr wrap="none" rtlCol="0">
+            <a:spAutoFit/>
+          </a:bodyPr>
+          <a:lstStyle>
+            <a:defPPr>
+              <a:defRPr lang="ko-KR"/>
+            </a:defPPr>
+            <a:lvl1pPr marL="0" algn="l" defTabSz="914400" rtl="0" eaLnBrk="1" latinLnBrk="1" hangingPunct="1">
+              <a:defRPr sz="1800" kern="1200">
+                <a:solidFill>
+                  <a:schemeClr val="tx1"/>
+                </a:solidFill>
+                <a:latin typeface="+mn-lt"/>
+                <a:ea typeface="+mn-ea"/>
+                <a:cs typeface="+mn-cs"/>
+              </a:defRPr>
+            </a:lvl1pPr>
+            <a:lvl2pPr marL="457200" algn="l" defTabSz="914400" rtl="0" eaLnBrk="1" latinLnBrk="1" hangingPunct="1">
+              <a:defRPr sz="1800" kern="1200">
+                <a:solidFill>
+                  <a:schemeClr val="tx1"/>
+                </a:solidFill>
+                <a:latin typeface="+mn-lt"/>
+                <a:ea typeface="+mn-ea"/>
+                <a:cs typeface="+mn-cs"/>
+              </a:defRPr>
+            </a:lvl2pPr>
+            <a:lvl3pPr marL="914400" algn="l" defTabSz="914400" rtl="0" eaLnBrk="1" latinLnBrk="1" hangingPunct="1">
+              <a:defRPr sz="1800" kern="1200">
+                <a:solidFill>
+                  <a:schemeClr val="tx1"/>
+                </a:solidFill>
+                <a:latin typeface="+mn-lt"/>
+                <a:ea typeface="+mn-ea"/>
+                <a:cs typeface="+mn-cs"/>
+              </a:defRPr>
+            </a:lvl3pPr>
+            <a:lvl4pPr marL="1371600" algn="l" defTabSz="914400" rtl="0" eaLnBrk="1" latinLnBrk="1" hangingPunct="1">
+              <a:defRPr sz="1800" kern="1200">
+                <a:solidFill>
+                  <a:schemeClr val="tx1"/>
+                </a:solidFill>
+                <a:latin typeface="+mn-lt"/>
+                <a:ea typeface="+mn-ea"/>
+                <a:cs typeface="+mn-cs"/>
+              </a:defRPr>
+            </a:lvl4pPr>
+            <a:lvl5pPr marL="1828800" algn="l" defTabSz="914400" rtl="0" eaLnBrk="1" latinLnBrk="1" hangingPunct="1">
+              <a:defRPr sz="1800" kern="1200">
+                <a:solidFill>
+                  <a:schemeClr val="tx1"/>
+                </a:solidFill>
+                <a:latin typeface="+mn-lt"/>
+                <a:ea typeface="+mn-ea"/>
+                <a:cs typeface="+mn-cs"/>
+              </a:defRPr>
+            </a:lvl5pPr>
+            <a:lvl6pPr marL="2286000" algn="l" defTabSz="914400" rtl="0" eaLnBrk="1" latinLnBrk="1" hangingPunct="1">
+              <a:defRPr sz="1800" kern="1200">
+                <a:solidFill>
+                  <a:schemeClr val="tx1"/>
+                </a:solidFill>
+                <a:latin typeface="+mn-lt"/>
+                <a:ea typeface="+mn-ea"/>
+                <a:cs typeface="+mn-cs"/>
+              </a:defRPr>
+            </a:lvl6pPr>
+            <a:lvl7pPr marL="2743200" algn="l" defTabSz="914400" rtl="0" eaLnBrk="1" latinLnBrk="1" hangingPunct="1">
+              <a:defRPr sz="1800" kern="1200">
+                <a:solidFill>
+                  <a:schemeClr val="tx1"/>
+                </a:solidFill>
+                <a:latin typeface="+mn-lt"/>
+                <a:ea typeface="+mn-ea"/>
+                <a:cs typeface="+mn-cs"/>
+              </a:defRPr>
+            </a:lvl7pPr>
+            <a:lvl8pPr marL="3200400" algn="l" defTabSz="914400" rtl="0" eaLnBrk="1" latinLnBrk="1" hangingPunct="1">
+              <a:defRPr sz="1800" kern="1200">
+                <a:solidFill>
+                  <a:schemeClr val="tx1"/>
+                </a:solidFill>
+                <a:latin typeface="+mn-lt"/>
+                <a:ea typeface="+mn-ea"/>
+                <a:cs typeface="+mn-cs"/>
+              </a:defRPr>
+            </a:lvl8pPr>
+            <a:lvl9pPr marL="3657600" algn="l" defTabSz="914400" rtl="0" eaLnBrk="1" latinLnBrk="1" hangingPunct="1">
+              <a:defRPr sz="1800" kern="1200">
+                <a:solidFill>
+                  <a:schemeClr val="tx1"/>
+                </a:solidFill>
+                <a:latin typeface="+mn-lt"/>
+                <a:ea typeface="+mn-ea"/>
+                <a:cs typeface="+mn-cs"/>
+              </a:defRPr>
+            </a:lvl9pPr>
+          </a:lstStyle>
+          <a:p>
+            <a:r>
+              <a:rPr lang="en-US" altLang="ko-KR" sz="1600" b="1" dirty="0">
+                <a:solidFill>
+                  <a:schemeClr val="bg1"/>
+                </a:solidFill>
+              </a:rPr>
+              <a:t>P278-279</a:t>
+            </a:r>
+            <a:endParaRPr lang="ko-KR" altLang="en-US" sz="1600" b="1" dirty="0">
+              <a:solidFill>
+                <a:schemeClr val="bg1"/>
+              </a:solidFill>
+            </a:endParaRPr>
+          </a:p>
+        </p:txBody>
+      </p:sp>
     </p:spTree>
     <p:extLst>
       <p:ext uri="{BB962C8B-B14F-4D97-AF65-F5344CB8AC3E}">
@@ -11680,6 +12508,144 @@
           </a:prstGeom>
         </p:spPr>
       </p:pic>
+      <p:sp>
+        <p:nvSpPr>
+          <p:cNvPr id="10" name="TextBox 11">
+            <a:extLst>
+              <a:ext uri="{FF2B5EF4-FFF2-40B4-BE49-F238E27FC236}">
+                <a16:creationId xmlns:a16="http://schemas.microsoft.com/office/drawing/2014/main" id="{E36E58DC-A0BE-4D2C-AEC0-4D5258AF8AA5}"/>
+              </a:ext>
+            </a:extLst>
+          </p:cNvPr>
+          <p:cNvSpPr txBox="1"/>
+          <p:nvPr/>
+        </p:nvSpPr>
+        <p:spPr>
+          <a:xfrm>
+            <a:off x="10661586" y="340684"/>
+            <a:ext cx="1107996" cy="338554"/>
+          </a:xfrm>
+          <a:prstGeom prst="rect">
+            <a:avLst/>
+          </a:prstGeom>
+          <a:noFill/>
+        </p:spPr>
+        <p:txBody>
+          <a:bodyPr wrap="none" rtlCol="0">
+            <a:spAutoFit/>
+          </a:bodyPr>
+          <a:lstStyle>
+            <a:defPPr>
+              <a:defRPr lang="ko-KR"/>
+            </a:defPPr>
+            <a:lvl1pPr marL="0" algn="l" defTabSz="914400" rtl="0" eaLnBrk="1" latinLnBrk="1" hangingPunct="1">
+              <a:defRPr sz="1800" kern="1200">
+                <a:solidFill>
+                  <a:schemeClr val="tx1"/>
+                </a:solidFill>
+                <a:latin typeface="+mn-lt"/>
+                <a:ea typeface="+mn-ea"/>
+                <a:cs typeface="+mn-cs"/>
+              </a:defRPr>
+            </a:lvl1pPr>
+            <a:lvl2pPr marL="457200" algn="l" defTabSz="914400" rtl="0" eaLnBrk="1" latinLnBrk="1" hangingPunct="1">
+              <a:defRPr sz="1800" kern="1200">
+                <a:solidFill>
+                  <a:schemeClr val="tx1"/>
+                </a:solidFill>
+                <a:latin typeface="+mn-lt"/>
+                <a:ea typeface="+mn-ea"/>
+                <a:cs typeface="+mn-cs"/>
+              </a:defRPr>
+            </a:lvl2pPr>
+            <a:lvl3pPr marL="914400" algn="l" defTabSz="914400" rtl="0" eaLnBrk="1" latinLnBrk="1" hangingPunct="1">
+              <a:defRPr sz="1800" kern="1200">
+                <a:solidFill>
+                  <a:schemeClr val="tx1"/>
+                </a:solidFill>
+                <a:latin typeface="+mn-lt"/>
+                <a:ea typeface="+mn-ea"/>
+                <a:cs typeface="+mn-cs"/>
+              </a:defRPr>
+            </a:lvl3pPr>
+            <a:lvl4pPr marL="1371600" algn="l" defTabSz="914400" rtl="0" eaLnBrk="1" latinLnBrk="1" hangingPunct="1">
+              <a:defRPr sz="1800" kern="1200">
+                <a:solidFill>
+                  <a:schemeClr val="tx1"/>
+                </a:solidFill>
+                <a:latin typeface="+mn-lt"/>
+                <a:ea typeface="+mn-ea"/>
+                <a:cs typeface="+mn-cs"/>
+              </a:defRPr>
+            </a:lvl4pPr>
+            <a:lvl5pPr marL="1828800" algn="l" defTabSz="914400" rtl="0" eaLnBrk="1" latinLnBrk="1" hangingPunct="1">
+              <a:defRPr sz="1800" kern="1200">
+                <a:solidFill>
+                  <a:schemeClr val="tx1"/>
+                </a:solidFill>
+                <a:latin typeface="+mn-lt"/>
+                <a:ea typeface="+mn-ea"/>
+                <a:cs typeface="+mn-cs"/>
+              </a:defRPr>
+            </a:lvl5pPr>
+            <a:lvl6pPr marL="2286000" algn="l" defTabSz="914400" rtl="0" eaLnBrk="1" latinLnBrk="1" hangingPunct="1">
+              <a:defRPr sz="1800" kern="1200">
+                <a:solidFill>
+                  <a:schemeClr val="tx1"/>
+                </a:solidFill>
+                <a:latin typeface="+mn-lt"/>
+                <a:ea typeface="+mn-ea"/>
+                <a:cs typeface="+mn-cs"/>
+              </a:defRPr>
+            </a:lvl6pPr>
+            <a:lvl7pPr marL="2743200" algn="l" defTabSz="914400" rtl="0" eaLnBrk="1" latinLnBrk="1" hangingPunct="1">
+              <a:defRPr sz="1800" kern="1200">
+                <a:solidFill>
+                  <a:schemeClr val="tx1"/>
+                </a:solidFill>
+                <a:latin typeface="+mn-lt"/>
+                <a:ea typeface="+mn-ea"/>
+                <a:cs typeface="+mn-cs"/>
+              </a:defRPr>
+            </a:lvl7pPr>
+            <a:lvl8pPr marL="3200400" algn="l" defTabSz="914400" rtl="0" eaLnBrk="1" latinLnBrk="1" hangingPunct="1">
+              <a:defRPr sz="1800" kern="1200">
+                <a:solidFill>
+                  <a:schemeClr val="tx1"/>
+                </a:solidFill>
+                <a:latin typeface="+mn-lt"/>
+                <a:ea typeface="+mn-ea"/>
+                <a:cs typeface="+mn-cs"/>
+              </a:defRPr>
+            </a:lvl8pPr>
+            <a:lvl9pPr marL="3657600" algn="l" defTabSz="914400" rtl="0" eaLnBrk="1" latinLnBrk="1" hangingPunct="1">
+              <a:defRPr sz="1800" kern="1200">
+                <a:solidFill>
+                  <a:schemeClr val="tx1"/>
+                </a:solidFill>
+                <a:latin typeface="+mn-lt"/>
+                <a:ea typeface="+mn-ea"/>
+                <a:cs typeface="+mn-cs"/>
+              </a:defRPr>
+            </a:lvl9pPr>
+          </a:lstStyle>
+          <a:p>
+            <a:r>
+              <a:rPr lang="en-US" altLang="ko-KR" sz="1600" b="1" dirty="0">
+                <a:solidFill>
+                  <a:schemeClr val="bg1"/>
+                </a:solidFill>
+              </a:rPr>
+              <a:t>P279-280</a:t>
+            </a:r>
+            <a:endParaRPr lang="ko-KR" altLang="en-US" sz="1600" b="1" dirty="0">
+              <a:solidFill>
+                <a:schemeClr val="bg1"/>
+              </a:solidFill>
+            </a:endParaRPr>
+          </a:p>
+        </p:txBody>
+      </p:sp>
     </p:spTree>
     <p:extLst>
       <p:ext uri="{BB962C8B-B14F-4D97-AF65-F5344CB8AC3E}">
@@ -12476,6 +13442,144 @@
           </a:prstGeom>
         </p:spPr>
       </p:pic>
+      <p:sp>
+        <p:nvSpPr>
+          <p:cNvPr id="16" name="TextBox 11">
+            <a:extLst>
+              <a:ext uri="{FF2B5EF4-FFF2-40B4-BE49-F238E27FC236}">
+                <a16:creationId xmlns:a16="http://schemas.microsoft.com/office/drawing/2014/main" id="{BA0F3CF8-231D-4E16-8F73-EE1358A4F29B}"/>
+              </a:ext>
+            </a:extLst>
+          </p:cNvPr>
+          <p:cNvSpPr txBox="1"/>
+          <p:nvPr/>
+        </p:nvSpPr>
+        <p:spPr>
+          <a:xfrm>
+            <a:off x="10661586" y="340684"/>
+            <a:ext cx="1107996" cy="338554"/>
+          </a:xfrm>
+          <a:prstGeom prst="rect">
+            <a:avLst/>
+          </a:prstGeom>
+          <a:noFill/>
+        </p:spPr>
+        <p:txBody>
+          <a:bodyPr wrap="none" rtlCol="0">
+            <a:spAutoFit/>
+          </a:bodyPr>
+          <a:lstStyle>
+            <a:defPPr>
+              <a:defRPr lang="ko-KR"/>
+            </a:defPPr>
+            <a:lvl1pPr marL="0" algn="l" defTabSz="914400" rtl="0" eaLnBrk="1" latinLnBrk="1" hangingPunct="1">
+              <a:defRPr sz="1800" kern="1200">
+                <a:solidFill>
+                  <a:schemeClr val="tx1"/>
+                </a:solidFill>
+                <a:latin typeface="+mn-lt"/>
+                <a:ea typeface="+mn-ea"/>
+                <a:cs typeface="+mn-cs"/>
+              </a:defRPr>
+            </a:lvl1pPr>
+            <a:lvl2pPr marL="457200" algn="l" defTabSz="914400" rtl="0" eaLnBrk="1" latinLnBrk="1" hangingPunct="1">
+              <a:defRPr sz="1800" kern="1200">
+                <a:solidFill>
+                  <a:schemeClr val="tx1"/>
+                </a:solidFill>
+                <a:latin typeface="+mn-lt"/>
+                <a:ea typeface="+mn-ea"/>
+                <a:cs typeface="+mn-cs"/>
+              </a:defRPr>
+            </a:lvl2pPr>
+            <a:lvl3pPr marL="914400" algn="l" defTabSz="914400" rtl="0" eaLnBrk="1" latinLnBrk="1" hangingPunct="1">
+              <a:defRPr sz="1800" kern="1200">
+                <a:solidFill>
+                  <a:schemeClr val="tx1"/>
+                </a:solidFill>
+                <a:latin typeface="+mn-lt"/>
+                <a:ea typeface="+mn-ea"/>
+                <a:cs typeface="+mn-cs"/>
+              </a:defRPr>
+            </a:lvl3pPr>
+            <a:lvl4pPr marL="1371600" algn="l" defTabSz="914400" rtl="0" eaLnBrk="1" latinLnBrk="1" hangingPunct="1">
+              <a:defRPr sz="1800" kern="1200">
+                <a:solidFill>
+                  <a:schemeClr val="tx1"/>
+                </a:solidFill>
+                <a:latin typeface="+mn-lt"/>
+                <a:ea typeface="+mn-ea"/>
+                <a:cs typeface="+mn-cs"/>
+              </a:defRPr>
+            </a:lvl4pPr>
+            <a:lvl5pPr marL="1828800" algn="l" defTabSz="914400" rtl="0" eaLnBrk="1" latinLnBrk="1" hangingPunct="1">
+              <a:defRPr sz="1800" kern="1200">
+                <a:solidFill>
+                  <a:schemeClr val="tx1"/>
+                </a:solidFill>
+                <a:latin typeface="+mn-lt"/>
+                <a:ea typeface="+mn-ea"/>
+                <a:cs typeface="+mn-cs"/>
+              </a:defRPr>
+            </a:lvl5pPr>
+            <a:lvl6pPr marL="2286000" algn="l" defTabSz="914400" rtl="0" eaLnBrk="1" latinLnBrk="1" hangingPunct="1">
+              <a:defRPr sz="1800" kern="1200">
+                <a:solidFill>
+                  <a:schemeClr val="tx1"/>
+                </a:solidFill>
+                <a:latin typeface="+mn-lt"/>
+                <a:ea typeface="+mn-ea"/>
+                <a:cs typeface="+mn-cs"/>
+              </a:defRPr>
+            </a:lvl6pPr>
+            <a:lvl7pPr marL="2743200" algn="l" defTabSz="914400" rtl="0" eaLnBrk="1" latinLnBrk="1" hangingPunct="1">
+              <a:defRPr sz="1800" kern="1200">
+                <a:solidFill>
+                  <a:schemeClr val="tx1"/>
+                </a:solidFill>
+                <a:latin typeface="+mn-lt"/>
+                <a:ea typeface="+mn-ea"/>
+                <a:cs typeface="+mn-cs"/>
+              </a:defRPr>
+            </a:lvl7pPr>
+            <a:lvl8pPr marL="3200400" algn="l" defTabSz="914400" rtl="0" eaLnBrk="1" latinLnBrk="1" hangingPunct="1">
+              <a:defRPr sz="1800" kern="1200">
+                <a:solidFill>
+                  <a:schemeClr val="tx1"/>
+                </a:solidFill>
+                <a:latin typeface="+mn-lt"/>
+                <a:ea typeface="+mn-ea"/>
+                <a:cs typeface="+mn-cs"/>
+              </a:defRPr>
+            </a:lvl8pPr>
+            <a:lvl9pPr marL="3657600" algn="l" defTabSz="914400" rtl="0" eaLnBrk="1" latinLnBrk="1" hangingPunct="1">
+              <a:defRPr sz="1800" kern="1200">
+                <a:solidFill>
+                  <a:schemeClr val="tx1"/>
+                </a:solidFill>
+                <a:latin typeface="+mn-lt"/>
+                <a:ea typeface="+mn-ea"/>
+                <a:cs typeface="+mn-cs"/>
+              </a:defRPr>
+            </a:lvl9pPr>
+          </a:lstStyle>
+          <a:p>
+            <a:r>
+              <a:rPr lang="en-US" altLang="ko-KR" sz="1600" b="1" dirty="0">
+                <a:solidFill>
+                  <a:schemeClr val="bg1"/>
+                </a:solidFill>
+              </a:rPr>
+              <a:t>P280-281</a:t>
+            </a:r>
+            <a:endParaRPr lang="ko-KR" altLang="en-US" sz="1600" b="1" dirty="0">
+              <a:solidFill>
+                <a:schemeClr val="bg1"/>
+              </a:solidFill>
+            </a:endParaRPr>
+          </a:p>
+        </p:txBody>
+      </p:sp>
     </p:spTree>
     <p:extLst>
       <p:ext uri="{BB962C8B-B14F-4D97-AF65-F5344CB8AC3E}">
@@ -13928,6 +15032,144 @@
           </a:prstGeom>
         </p:spPr>
       </p:pic>
+      <p:sp>
+        <p:nvSpPr>
+          <p:cNvPr id="11" name="TextBox 11">
+            <a:extLst>
+              <a:ext uri="{FF2B5EF4-FFF2-40B4-BE49-F238E27FC236}">
+                <a16:creationId xmlns:a16="http://schemas.microsoft.com/office/drawing/2014/main" id="{5A65C6B2-74A6-4669-9C52-67482C7648F0}"/>
+              </a:ext>
+            </a:extLst>
+          </p:cNvPr>
+          <p:cNvSpPr txBox="1"/>
+          <p:nvPr/>
+        </p:nvSpPr>
+        <p:spPr>
+          <a:xfrm>
+            <a:off x="10661586" y="340684"/>
+            <a:ext cx="667170" cy="338554"/>
+          </a:xfrm>
+          <a:prstGeom prst="rect">
+            <a:avLst/>
+          </a:prstGeom>
+          <a:noFill/>
+        </p:spPr>
+        <p:txBody>
+          <a:bodyPr wrap="none" rtlCol="0">
+            <a:spAutoFit/>
+          </a:bodyPr>
+          <a:lstStyle>
+            <a:defPPr>
+              <a:defRPr lang="ko-KR"/>
+            </a:defPPr>
+            <a:lvl1pPr marL="0" algn="l" defTabSz="914400" rtl="0" eaLnBrk="1" latinLnBrk="1" hangingPunct="1">
+              <a:defRPr sz="1800" kern="1200">
+                <a:solidFill>
+                  <a:schemeClr val="tx1"/>
+                </a:solidFill>
+                <a:latin typeface="+mn-lt"/>
+                <a:ea typeface="+mn-ea"/>
+                <a:cs typeface="+mn-cs"/>
+              </a:defRPr>
+            </a:lvl1pPr>
+            <a:lvl2pPr marL="457200" algn="l" defTabSz="914400" rtl="0" eaLnBrk="1" latinLnBrk="1" hangingPunct="1">
+              <a:defRPr sz="1800" kern="1200">
+                <a:solidFill>
+                  <a:schemeClr val="tx1"/>
+                </a:solidFill>
+                <a:latin typeface="+mn-lt"/>
+                <a:ea typeface="+mn-ea"/>
+                <a:cs typeface="+mn-cs"/>
+              </a:defRPr>
+            </a:lvl2pPr>
+            <a:lvl3pPr marL="914400" algn="l" defTabSz="914400" rtl="0" eaLnBrk="1" latinLnBrk="1" hangingPunct="1">
+              <a:defRPr sz="1800" kern="1200">
+                <a:solidFill>
+                  <a:schemeClr val="tx1"/>
+                </a:solidFill>
+                <a:latin typeface="+mn-lt"/>
+                <a:ea typeface="+mn-ea"/>
+                <a:cs typeface="+mn-cs"/>
+              </a:defRPr>
+            </a:lvl3pPr>
+            <a:lvl4pPr marL="1371600" algn="l" defTabSz="914400" rtl="0" eaLnBrk="1" latinLnBrk="1" hangingPunct="1">
+              <a:defRPr sz="1800" kern="1200">
+                <a:solidFill>
+                  <a:schemeClr val="tx1"/>
+                </a:solidFill>
+                <a:latin typeface="+mn-lt"/>
+                <a:ea typeface="+mn-ea"/>
+                <a:cs typeface="+mn-cs"/>
+              </a:defRPr>
+            </a:lvl4pPr>
+            <a:lvl5pPr marL="1828800" algn="l" defTabSz="914400" rtl="0" eaLnBrk="1" latinLnBrk="1" hangingPunct="1">
+              <a:defRPr sz="1800" kern="1200">
+                <a:solidFill>
+                  <a:schemeClr val="tx1"/>
+                </a:solidFill>
+                <a:latin typeface="+mn-lt"/>
+                <a:ea typeface="+mn-ea"/>
+                <a:cs typeface="+mn-cs"/>
+              </a:defRPr>
+            </a:lvl5pPr>
+            <a:lvl6pPr marL="2286000" algn="l" defTabSz="914400" rtl="0" eaLnBrk="1" latinLnBrk="1" hangingPunct="1">
+              <a:defRPr sz="1800" kern="1200">
+                <a:solidFill>
+                  <a:schemeClr val="tx1"/>
+                </a:solidFill>
+                <a:latin typeface="+mn-lt"/>
+                <a:ea typeface="+mn-ea"/>
+                <a:cs typeface="+mn-cs"/>
+              </a:defRPr>
+            </a:lvl6pPr>
+            <a:lvl7pPr marL="2743200" algn="l" defTabSz="914400" rtl="0" eaLnBrk="1" latinLnBrk="1" hangingPunct="1">
+              <a:defRPr sz="1800" kern="1200">
+                <a:solidFill>
+                  <a:schemeClr val="tx1"/>
+                </a:solidFill>
+                <a:latin typeface="+mn-lt"/>
+                <a:ea typeface="+mn-ea"/>
+                <a:cs typeface="+mn-cs"/>
+              </a:defRPr>
+            </a:lvl7pPr>
+            <a:lvl8pPr marL="3200400" algn="l" defTabSz="914400" rtl="0" eaLnBrk="1" latinLnBrk="1" hangingPunct="1">
+              <a:defRPr sz="1800" kern="1200">
+                <a:solidFill>
+                  <a:schemeClr val="tx1"/>
+                </a:solidFill>
+                <a:latin typeface="+mn-lt"/>
+                <a:ea typeface="+mn-ea"/>
+                <a:cs typeface="+mn-cs"/>
+              </a:defRPr>
+            </a:lvl8pPr>
+            <a:lvl9pPr marL="3657600" algn="l" defTabSz="914400" rtl="0" eaLnBrk="1" latinLnBrk="1" hangingPunct="1">
+              <a:defRPr sz="1800" kern="1200">
+                <a:solidFill>
+                  <a:schemeClr val="tx1"/>
+                </a:solidFill>
+                <a:latin typeface="+mn-lt"/>
+                <a:ea typeface="+mn-ea"/>
+                <a:cs typeface="+mn-cs"/>
+              </a:defRPr>
+            </a:lvl9pPr>
+          </a:lstStyle>
+          <a:p>
+            <a:r>
+              <a:rPr lang="en-US" altLang="ko-KR" sz="1600" b="1" dirty="0">
+                <a:solidFill>
+                  <a:schemeClr val="bg1"/>
+                </a:solidFill>
+              </a:rPr>
+              <a:t>P282</a:t>
+            </a:r>
+            <a:endParaRPr lang="ko-KR" altLang="en-US" sz="1600" b="1" dirty="0">
+              <a:solidFill>
+                <a:schemeClr val="bg1"/>
+              </a:solidFill>
+            </a:endParaRPr>
+          </a:p>
+        </p:txBody>
+      </p:sp>
     </p:spTree>
     <p:extLst>
       <p:ext uri="{BB962C8B-B14F-4D97-AF65-F5344CB8AC3E}">
@@ -15588,6 +16830,144 @@
           </a:prstGeom>
         </p:spPr>
       </p:pic>
+      <p:sp>
+        <p:nvSpPr>
+          <p:cNvPr id="7" name="TextBox 11">
+            <a:extLst>
+              <a:ext uri="{FF2B5EF4-FFF2-40B4-BE49-F238E27FC236}">
+                <a16:creationId xmlns:a16="http://schemas.microsoft.com/office/drawing/2014/main" id="{84912362-9510-44B8-A96E-BED4F8CE81E0}"/>
+              </a:ext>
+            </a:extLst>
+          </p:cNvPr>
+          <p:cNvSpPr txBox="1"/>
+          <p:nvPr/>
+        </p:nvSpPr>
+        <p:spPr>
+          <a:xfrm>
+            <a:off x="10661586" y="340684"/>
+            <a:ext cx="667170" cy="338554"/>
+          </a:xfrm>
+          <a:prstGeom prst="rect">
+            <a:avLst/>
+          </a:prstGeom>
+          <a:noFill/>
+        </p:spPr>
+        <p:txBody>
+          <a:bodyPr wrap="none" rtlCol="0">
+            <a:spAutoFit/>
+          </a:bodyPr>
+          <a:lstStyle>
+            <a:defPPr>
+              <a:defRPr lang="ko-KR"/>
+            </a:defPPr>
+            <a:lvl1pPr marL="0" algn="l" defTabSz="914400" rtl="0" eaLnBrk="1" latinLnBrk="1" hangingPunct="1">
+              <a:defRPr sz="1800" kern="1200">
+                <a:solidFill>
+                  <a:schemeClr val="tx1"/>
+                </a:solidFill>
+                <a:latin typeface="+mn-lt"/>
+                <a:ea typeface="+mn-ea"/>
+                <a:cs typeface="+mn-cs"/>
+              </a:defRPr>
+            </a:lvl1pPr>
+            <a:lvl2pPr marL="457200" algn="l" defTabSz="914400" rtl="0" eaLnBrk="1" latinLnBrk="1" hangingPunct="1">
+              <a:defRPr sz="1800" kern="1200">
+                <a:solidFill>
+                  <a:schemeClr val="tx1"/>
+                </a:solidFill>
+                <a:latin typeface="+mn-lt"/>
+                <a:ea typeface="+mn-ea"/>
+                <a:cs typeface="+mn-cs"/>
+              </a:defRPr>
+            </a:lvl2pPr>
+            <a:lvl3pPr marL="914400" algn="l" defTabSz="914400" rtl="0" eaLnBrk="1" latinLnBrk="1" hangingPunct="1">
+              <a:defRPr sz="1800" kern="1200">
+                <a:solidFill>
+                  <a:schemeClr val="tx1"/>
+                </a:solidFill>
+                <a:latin typeface="+mn-lt"/>
+                <a:ea typeface="+mn-ea"/>
+                <a:cs typeface="+mn-cs"/>
+              </a:defRPr>
+            </a:lvl3pPr>
+            <a:lvl4pPr marL="1371600" algn="l" defTabSz="914400" rtl="0" eaLnBrk="1" latinLnBrk="1" hangingPunct="1">
+              <a:defRPr sz="1800" kern="1200">
+                <a:solidFill>
+                  <a:schemeClr val="tx1"/>
+                </a:solidFill>
+                <a:latin typeface="+mn-lt"/>
+                <a:ea typeface="+mn-ea"/>
+                <a:cs typeface="+mn-cs"/>
+              </a:defRPr>
+            </a:lvl4pPr>
+            <a:lvl5pPr marL="1828800" algn="l" defTabSz="914400" rtl="0" eaLnBrk="1" latinLnBrk="1" hangingPunct="1">
+              <a:defRPr sz="1800" kern="1200">
+                <a:solidFill>
+                  <a:schemeClr val="tx1"/>
+                </a:solidFill>
+                <a:latin typeface="+mn-lt"/>
+                <a:ea typeface="+mn-ea"/>
+                <a:cs typeface="+mn-cs"/>
+              </a:defRPr>
+            </a:lvl5pPr>
+            <a:lvl6pPr marL="2286000" algn="l" defTabSz="914400" rtl="0" eaLnBrk="1" latinLnBrk="1" hangingPunct="1">
+              <a:defRPr sz="1800" kern="1200">
+                <a:solidFill>
+                  <a:schemeClr val="tx1"/>
+                </a:solidFill>
+                <a:latin typeface="+mn-lt"/>
+                <a:ea typeface="+mn-ea"/>
+                <a:cs typeface="+mn-cs"/>
+              </a:defRPr>
+            </a:lvl6pPr>
+            <a:lvl7pPr marL="2743200" algn="l" defTabSz="914400" rtl="0" eaLnBrk="1" latinLnBrk="1" hangingPunct="1">
+              <a:defRPr sz="1800" kern="1200">
+                <a:solidFill>
+                  <a:schemeClr val="tx1"/>
+                </a:solidFill>
+                <a:latin typeface="+mn-lt"/>
+                <a:ea typeface="+mn-ea"/>
+                <a:cs typeface="+mn-cs"/>
+              </a:defRPr>
+            </a:lvl7pPr>
+            <a:lvl8pPr marL="3200400" algn="l" defTabSz="914400" rtl="0" eaLnBrk="1" latinLnBrk="1" hangingPunct="1">
+              <a:defRPr sz="1800" kern="1200">
+                <a:solidFill>
+                  <a:schemeClr val="tx1"/>
+                </a:solidFill>
+                <a:latin typeface="+mn-lt"/>
+                <a:ea typeface="+mn-ea"/>
+                <a:cs typeface="+mn-cs"/>
+              </a:defRPr>
+            </a:lvl8pPr>
+            <a:lvl9pPr marL="3657600" algn="l" defTabSz="914400" rtl="0" eaLnBrk="1" latinLnBrk="1" hangingPunct="1">
+              <a:defRPr sz="1800" kern="1200">
+                <a:solidFill>
+                  <a:schemeClr val="tx1"/>
+                </a:solidFill>
+                <a:latin typeface="+mn-lt"/>
+                <a:ea typeface="+mn-ea"/>
+                <a:cs typeface="+mn-cs"/>
+              </a:defRPr>
+            </a:lvl9pPr>
+          </a:lstStyle>
+          <a:p>
+            <a:r>
+              <a:rPr lang="en-US" altLang="ko-KR" sz="1600" b="1">
+                <a:solidFill>
+                  <a:schemeClr val="bg1"/>
+                </a:solidFill>
+              </a:rPr>
+              <a:t>P284</a:t>
+            </a:r>
+            <a:endParaRPr lang="ko-KR" altLang="en-US" sz="1600" b="1" dirty="0">
+              <a:solidFill>
+                <a:schemeClr val="bg1"/>
+              </a:solidFill>
+            </a:endParaRPr>
+          </a:p>
+        </p:txBody>
+      </p:sp>
     </p:spTree>
     <p:extLst>
       <p:ext uri="{BB962C8B-B14F-4D97-AF65-F5344CB8AC3E}">
@@ -16597,6 +17977,144 @@
               <a:rPr lang="ko-KR" altLang="en-US"/>
               <a:t>웹에서 색상 표현하기</a:t>
             </a:r>
+          </a:p>
+        </p:txBody>
+      </p:sp>
+      <p:sp>
+        <p:nvSpPr>
+          <p:cNvPr id="18" name="TextBox 11">
+            <a:extLst>
+              <a:ext uri="{FF2B5EF4-FFF2-40B4-BE49-F238E27FC236}">
+                <a16:creationId xmlns:a16="http://schemas.microsoft.com/office/drawing/2014/main" id="{CB0D1926-B841-47DD-B895-1D2E0C4735E6}"/>
+              </a:ext>
+            </a:extLst>
+          </p:cNvPr>
+          <p:cNvSpPr txBox="1"/>
+          <p:nvPr/>
+        </p:nvSpPr>
+        <p:spPr>
+          <a:xfrm>
+            <a:off x="10661586" y="340684"/>
+            <a:ext cx="1107996" cy="338554"/>
+          </a:xfrm>
+          <a:prstGeom prst="rect">
+            <a:avLst/>
+          </a:prstGeom>
+          <a:noFill/>
+        </p:spPr>
+        <p:txBody>
+          <a:bodyPr wrap="none" rtlCol="0">
+            <a:spAutoFit/>
+          </a:bodyPr>
+          <a:lstStyle>
+            <a:defPPr>
+              <a:defRPr lang="ko-KR"/>
+            </a:defPPr>
+            <a:lvl1pPr marL="0" algn="l" defTabSz="914400" rtl="0" eaLnBrk="1" latinLnBrk="1" hangingPunct="1">
+              <a:defRPr sz="1800" kern="1200">
+                <a:solidFill>
+                  <a:schemeClr val="tx1"/>
+                </a:solidFill>
+                <a:latin typeface="+mn-lt"/>
+                <a:ea typeface="+mn-ea"/>
+                <a:cs typeface="+mn-cs"/>
+              </a:defRPr>
+            </a:lvl1pPr>
+            <a:lvl2pPr marL="457200" algn="l" defTabSz="914400" rtl="0" eaLnBrk="1" latinLnBrk="1" hangingPunct="1">
+              <a:defRPr sz="1800" kern="1200">
+                <a:solidFill>
+                  <a:schemeClr val="tx1"/>
+                </a:solidFill>
+                <a:latin typeface="+mn-lt"/>
+                <a:ea typeface="+mn-ea"/>
+                <a:cs typeface="+mn-cs"/>
+              </a:defRPr>
+            </a:lvl2pPr>
+            <a:lvl3pPr marL="914400" algn="l" defTabSz="914400" rtl="0" eaLnBrk="1" latinLnBrk="1" hangingPunct="1">
+              <a:defRPr sz="1800" kern="1200">
+                <a:solidFill>
+                  <a:schemeClr val="tx1"/>
+                </a:solidFill>
+                <a:latin typeface="+mn-lt"/>
+                <a:ea typeface="+mn-ea"/>
+                <a:cs typeface="+mn-cs"/>
+              </a:defRPr>
+            </a:lvl3pPr>
+            <a:lvl4pPr marL="1371600" algn="l" defTabSz="914400" rtl="0" eaLnBrk="1" latinLnBrk="1" hangingPunct="1">
+              <a:defRPr sz="1800" kern="1200">
+                <a:solidFill>
+                  <a:schemeClr val="tx1"/>
+                </a:solidFill>
+                <a:latin typeface="+mn-lt"/>
+                <a:ea typeface="+mn-ea"/>
+                <a:cs typeface="+mn-cs"/>
+              </a:defRPr>
+            </a:lvl4pPr>
+            <a:lvl5pPr marL="1828800" algn="l" defTabSz="914400" rtl="0" eaLnBrk="1" latinLnBrk="1" hangingPunct="1">
+              <a:defRPr sz="1800" kern="1200">
+                <a:solidFill>
+                  <a:schemeClr val="tx1"/>
+                </a:solidFill>
+                <a:latin typeface="+mn-lt"/>
+                <a:ea typeface="+mn-ea"/>
+                <a:cs typeface="+mn-cs"/>
+              </a:defRPr>
+            </a:lvl5pPr>
+            <a:lvl6pPr marL="2286000" algn="l" defTabSz="914400" rtl="0" eaLnBrk="1" latinLnBrk="1" hangingPunct="1">
+              <a:defRPr sz="1800" kern="1200">
+                <a:solidFill>
+                  <a:schemeClr val="tx1"/>
+                </a:solidFill>
+                <a:latin typeface="+mn-lt"/>
+                <a:ea typeface="+mn-ea"/>
+                <a:cs typeface="+mn-cs"/>
+              </a:defRPr>
+            </a:lvl6pPr>
+            <a:lvl7pPr marL="2743200" algn="l" defTabSz="914400" rtl="0" eaLnBrk="1" latinLnBrk="1" hangingPunct="1">
+              <a:defRPr sz="1800" kern="1200">
+                <a:solidFill>
+                  <a:schemeClr val="tx1"/>
+                </a:solidFill>
+                <a:latin typeface="+mn-lt"/>
+                <a:ea typeface="+mn-ea"/>
+                <a:cs typeface="+mn-cs"/>
+              </a:defRPr>
+            </a:lvl7pPr>
+            <a:lvl8pPr marL="3200400" algn="l" defTabSz="914400" rtl="0" eaLnBrk="1" latinLnBrk="1" hangingPunct="1">
+              <a:defRPr sz="1800" kern="1200">
+                <a:solidFill>
+                  <a:schemeClr val="tx1"/>
+                </a:solidFill>
+                <a:latin typeface="+mn-lt"/>
+                <a:ea typeface="+mn-ea"/>
+                <a:cs typeface="+mn-cs"/>
+              </a:defRPr>
+            </a:lvl8pPr>
+            <a:lvl9pPr marL="3657600" algn="l" defTabSz="914400" rtl="0" eaLnBrk="1" latinLnBrk="1" hangingPunct="1">
+              <a:defRPr sz="1800" kern="1200">
+                <a:solidFill>
+                  <a:schemeClr val="tx1"/>
+                </a:solidFill>
+                <a:latin typeface="+mn-lt"/>
+                <a:ea typeface="+mn-ea"/>
+                <a:cs typeface="+mn-cs"/>
+              </a:defRPr>
+            </a:lvl9pPr>
+          </a:lstStyle>
+          <a:p>
+            <a:r>
+              <a:rPr lang="en-US" altLang="ko-KR" sz="1600" b="1" dirty="0">
+                <a:solidFill>
+                  <a:schemeClr val="bg1"/>
+                </a:solidFill>
+              </a:rPr>
+              <a:t>P256-257</a:t>
+            </a:r>
+            <a:endParaRPr lang="ko-KR" altLang="en-US" sz="1600" b="1" dirty="0">
+              <a:solidFill>
+                <a:schemeClr val="bg1"/>
+              </a:solidFill>
+            </a:endParaRPr>
           </a:p>
         </p:txBody>
       </p:sp>
@@ -16977,6 +18495,144 @@
           </a:prstGeom>
         </p:spPr>
       </p:pic>
+      <p:sp>
+        <p:nvSpPr>
+          <p:cNvPr id="11" name="TextBox 11">
+            <a:extLst>
+              <a:ext uri="{FF2B5EF4-FFF2-40B4-BE49-F238E27FC236}">
+                <a16:creationId xmlns:a16="http://schemas.microsoft.com/office/drawing/2014/main" id="{CEEFC261-ED49-4D7F-99C6-C4A712E585F9}"/>
+              </a:ext>
+            </a:extLst>
+          </p:cNvPr>
+          <p:cNvSpPr txBox="1"/>
+          <p:nvPr/>
+        </p:nvSpPr>
+        <p:spPr>
+          <a:xfrm>
+            <a:off x="10661586" y="340684"/>
+            <a:ext cx="667170" cy="338554"/>
+          </a:xfrm>
+          <a:prstGeom prst="rect">
+            <a:avLst/>
+          </a:prstGeom>
+          <a:noFill/>
+        </p:spPr>
+        <p:txBody>
+          <a:bodyPr wrap="none" rtlCol="0">
+            <a:spAutoFit/>
+          </a:bodyPr>
+          <a:lstStyle>
+            <a:defPPr>
+              <a:defRPr lang="ko-KR"/>
+            </a:defPPr>
+            <a:lvl1pPr marL="0" algn="l" defTabSz="914400" rtl="0" eaLnBrk="1" latinLnBrk="1" hangingPunct="1">
+              <a:defRPr sz="1800" kern="1200">
+                <a:solidFill>
+                  <a:schemeClr val="tx1"/>
+                </a:solidFill>
+                <a:latin typeface="+mn-lt"/>
+                <a:ea typeface="+mn-ea"/>
+                <a:cs typeface="+mn-cs"/>
+              </a:defRPr>
+            </a:lvl1pPr>
+            <a:lvl2pPr marL="457200" algn="l" defTabSz="914400" rtl="0" eaLnBrk="1" latinLnBrk="1" hangingPunct="1">
+              <a:defRPr sz="1800" kern="1200">
+                <a:solidFill>
+                  <a:schemeClr val="tx1"/>
+                </a:solidFill>
+                <a:latin typeface="+mn-lt"/>
+                <a:ea typeface="+mn-ea"/>
+                <a:cs typeface="+mn-cs"/>
+              </a:defRPr>
+            </a:lvl2pPr>
+            <a:lvl3pPr marL="914400" algn="l" defTabSz="914400" rtl="0" eaLnBrk="1" latinLnBrk="1" hangingPunct="1">
+              <a:defRPr sz="1800" kern="1200">
+                <a:solidFill>
+                  <a:schemeClr val="tx1"/>
+                </a:solidFill>
+                <a:latin typeface="+mn-lt"/>
+                <a:ea typeface="+mn-ea"/>
+                <a:cs typeface="+mn-cs"/>
+              </a:defRPr>
+            </a:lvl3pPr>
+            <a:lvl4pPr marL="1371600" algn="l" defTabSz="914400" rtl="0" eaLnBrk="1" latinLnBrk="1" hangingPunct="1">
+              <a:defRPr sz="1800" kern="1200">
+                <a:solidFill>
+                  <a:schemeClr val="tx1"/>
+                </a:solidFill>
+                <a:latin typeface="+mn-lt"/>
+                <a:ea typeface="+mn-ea"/>
+                <a:cs typeface="+mn-cs"/>
+              </a:defRPr>
+            </a:lvl4pPr>
+            <a:lvl5pPr marL="1828800" algn="l" defTabSz="914400" rtl="0" eaLnBrk="1" latinLnBrk="1" hangingPunct="1">
+              <a:defRPr sz="1800" kern="1200">
+                <a:solidFill>
+                  <a:schemeClr val="tx1"/>
+                </a:solidFill>
+                <a:latin typeface="+mn-lt"/>
+                <a:ea typeface="+mn-ea"/>
+                <a:cs typeface="+mn-cs"/>
+              </a:defRPr>
+            </a:lvl5pPr>
+            <a:lvl6pPr marL="2286000" algn="l" defTabSz="914400" rtl="0" eaLnBrk="1" latinLnBrk="1" hangingPunct="1">
+              <a:defRPr sz="1800" kern="1200">
+                <a:solidFill>
+                  <a:schemeClr val="tx1"/>
+                </a:solidFill>
+                <a:latin typeface="+mn-lt"/>
+                <a:ea typeface="+mn-ea"/>
+                <a:cs typeface="+mn-cs"/>
+              </a:defRPr>
+            </a:lvl6pPr>
+            <a:lvl7pPr marL="2743200" algn="l" defTabSz="914400" rtl="0" eaLnBrk="1" latinLnBrk="1" hangingPunct="1">
+              <a:defRPr sz="1800" kern="1200">
+                <a:solidFill>
+                  <a:schemeClr val="tx1"/>
+                </a:solidFill>
+                <a:latin typeface="+mn-lt"/>
+                <a:ea typeface="+mn-ea"/>
+                <a:cs typeface="+mn-cs"/>
+              </a:defRPr>
+            </a:lvl7pPr>
+            <a:lvl8pPr marL="3200400" algn="l" defTabSz="914400" rtl="0" eaLnBrk="1" latinLnBrk="1" hangingPunct="1">
+              <a:defRPr sz="1800" kern="1200">
+                <a:solidFill>
+                  <a:schemeClr val="tx1"/>
+                </a:solidFill>
+                <a:latin typeface="+mn-lt"/>
+                <a:ea typeface="+mn-ea"/>
+                <a:cs typeface="+mn-cs"/>
+              </a:defRPr>
+            </a:lvl8pPr>
+            <a:lvl9pPr marL="3657600" algn="l" defTabSz="914400" rtl="0" eaLnBrk="1" latinLnBrk="1" hangingPunct="1">
+              <a:defRPr sz="1800" kern="1200">
+                <a:solidFill>
+                  <a:schemeClr val="tx1"/>
+                </a:solidFill>
+                <a:latin typeface="+mn-lt"/>
+                <a:ea typeface="+mn-ea"/>
+                <a:cs typeface="+mn-cs"/>
+              </a:defRPr>
+            </a:lvl9pPr>
+          </a:lstStyle>
+          <a:p>
+            <a:r>
+              <a:rPr lang="en-US" altLang="ko-KR" sz="1600" b="1" dirty="0">
+                <a:solidFill>
+                  <a:schemeClr val="bg1"/>
+                </a:solidFill>
+              </a:rPr>
+              <a:t>P260</a:t>
+            </a:r>
+            <a:endParaRPr lang="ko-KR" altLang="en-US" sz="1600" b="1" dirty="0">
+              <a:solidFill>
+                <a:schemeClr val="bg1"/>
+              </a:solidFill>
+            </a:endParaRPr>
+          </a:p>
+        </p:txBody>
+      </p:sp>
     </p:spTree>
     <p:extLst>
       <p:ext uri="{BB962C8B-B14F-4D97-AF65-F5344CB8AC3E}">
@@ -17539,6 +19195,144 @@
           </a:prstGeom>
         </p:spPr>
       </p:pic>
+      <p:sp>
+        <p:nvSpPr>
+          <p:cNvPr id="13" name="TextBox 11">
+            <a:extLst>
+              <a:ext uri="{FF2B5EF4-FFF2-40B4-BE49-F238E27FC236}">
+                <a16:creationId xmlns:a16="http://schemas.microsoft.com/office/drawing/2014/main" id="{32E83BB3-ECB3-4BE7-A552-D3EA35A225EB}"/>
+              </a:ext>
+            </a:extLst>
+          </p:cNvPr>
+          <p:cNvSpPr txBox="1"/>
+          <p:nvPr/>
+        </p:nvSpPr>
+        <p:spPr>
+          <a:xfrm>
+            <a:off x="10661586" y="340684"/>
+            <a:ext cx="1107996" cy="338554"/>
+          </a:xfrm>
+          <a:prstGeom prst="rect">
+            <a:avLst/>
+          </a:prstGeom>
+          <a:noFill/>
+        </p:spPr>
+        <p:txBody>
+          <a:bodyPr wrap="none" rtlCol="0">
+            <a:spAutoFit/>
+          </a:bodyPr>
+          <a:lstStyle>
+            <a:defPPr>
+              <a:defRPr lang="ko-KR"/>
+            </a:defPPr>
+            <a:lvl1pPr marL="0" algn="l" defTabSz="914400" rtl="0" eaLnBrk="1" latinLnBrk="1" hangingPunct="1">
+              <a:defRPr sz="1800" kern="1200">
+                <a:solidFill>
+                  <a:schemeClr val="tx1"/>
+                </a:solidFill>
+                <a:latin typeface="+mn-lt"/>
+                <a:ea typeface="+mn-ea"/>
+                <a:cs typeface="+mn-cs"/>
+              </a:defRPr>
+            </a:lvl1pPr>
+            <a:lvl2pPr marL="457200" algn="l" defTabSz="914400" rtl="0" eaLnBrk="1" latinLnBrk="1" hangingPunct="1">
+              <a:defRPr sz="1800" kern="1200">
+                <a:solidFill>
+                  <a:schemeClr val="tx1"/>
+                </a:solidFill>
+                <a:latin typeface="+mn-lt"/>
+                <a:ea typeface="+mn-ea"/>
+                <a:cs typeface="+mn-cs"/>
+              </a:defRPr>
+            </a:lvl2pPr>
+            <a:lvl3pPr marL="914400" algn="l" defTabSz="914400" rtl="0" eaLnBrk="1" latinLnBrk="1" hangingPunct="1">
+              <a:defRPr sz="1800" kern="1200">
+                <a:solidFill>
+                  <a:schemeClr val="tx1"/>
+                </a:solidFill>
+                <a:latin typeface="+mn-lt"/>
+                <a:ea typeface="+mn-ea"/>
+                <a:cs typeface="+mn-cs"/>
+              </a:defRPr>
+            </a:lvl3pPr>
+            <a:lvl4pPr marL="1371600" algn="l" defTabSz="914400" rtl="0" eaLnBrk="1" latinLnBrk="1" hangingPunct="1">
+              <a:defRPr sz="1800" kern="1200">
+                <a:solidFill>
+                  <a:schemeClr val="tx1"/>
+                </a:solidFill>
+                <a:latin typeface="+mn-lt"/>
+                <a:ea typeface="+mn-ea"/>
+                <a:cs typeface="+mn-cs"/>
+              </a:defRPr>
+            </a:lvl4pPr>
+            <a:lvl5pPr marL="1828800" algn="l" defTabSz="914400" rtl="0" eaLnBrk="1" latinLnBrk="1" hangingPunct="1">
+              <a:defRPr sz="1800" kern="1200">
+                <a:solidFill>
+                  <a:schemeClr val="tx1"/>
+                </a:solidFill>
+                <a:latin typeface="+mn-lt"/>
+                <a:ea typeface="+mn-ea"/>
+                <a:cs typeface="+mn-cs"/>
+              </a:defRPr>
+            </a:lvl5pPr>
+            <a:lvl6pPr marL="2286000" algn="l" defTabSz="914400" rtl="0" eaLnBrk="1" latinLnBrk="1" hangingPunct="1">
+              <a:defRPr sz="1800" kern="1200">
+                <a:solidFill>
+                  <a:schemeClr val="tx1"/>
+                </a:solidFill>
+                <a:latin typeface="+mn-lt"/>
+                <a:ea typeface="+mn-ea"/>
+                <a:cs typeface="+mn-cs"/>
+              </a:defRPr>
+            </a:lvl6pPr>
+            <a:lvl7pPr marL="2743200" algn="l" defTabSz="914400" rtl="0" eaLnBrk="1" latinLnBrk="1" hangingPunct="1">
+              <a:defRPr sz="1800" kern="1200">
+                <a:solidFill>
+                  <a:schemeClr val="tx1"/>
+                </a:solidFill>
+                <a:latin typeface="+mn-lt"/>
+                <a:ea typeface="+mn-ea"/>
+                <a:cs typeface="+mn-cs"/>
+              </a:defRPr>
+            </a:lvl7pPr>
+            <a:lvl8pPr marL="3200400" algn="l" defTabSz="914400" rtl="0" eaLnBrk="1" latinLnBrk="1" hangingPunct="1">
+              <a:defRPr sz="1800" kern="1200">
+                <a:solidFill>
+                  <a:schemeClr val="tx1"/>
+                </a:solidFill>
+                <a:latin typeface="+mn-lt"/>
+                <a:ea typeface="+mn-ea"/>
+                <a:cs typeface="+mn-cs"/>
+              </a:defRPr>
+            </a:lvl8pPr>
+            <a:lvl9pPr marL="3657600" algn="l" defTabSz="914400" rtl="0" eaLnBrk="1" latinLnBrk="1" hangingPunct="1">
+              <a:defRPr sz="1800" kern="1200">
+                <a:solidFill>
+                  <a:schemeClr val="tx1"/>
+                </a:solidFill>
+                <a:latin typeface="+mn-lt"/>
+                <a:ea typeface="+mn-ea"/>
+                <a:cs typeface="+mn-cs"/>
+              </a:defRPr>
+            </a:lvl9pPr>
+          </a:lstStyle>
+          <a:p>
+            <a:r>
+              <a:rPr lang="en-US" altLang="ko-KR" sz="1600" b="1" dirty="0">
+                <a:solidFill>
+                  <a:schemeClr val="bg1"/>
+                </a:solidFill>
+              </a:rPr>
+              <a:t>P262-263</a:t>
+            </a:r>
+            <a:endParaRPr lang="ko-KR" altLang="en-US" sz="1600" b="1" dirty="0">
+              <a:solidFill>
+                <a:schemeClr val="bg1"/>
+              </a:solidFill>
+            </a:endParaRPr>
+          </a:p>
+        </p:txBody>
+      </p:sp>
     </p:spTree>
     <p:extLst>
       <p:ext uri="{BB962C8B-B14F-4D97-AF65-F5344CB8AC3E}">
@@ -18170,6 +19964,144 @@
               <a:t>'images/bg1.png</a:t>
             </a:r>
             <a:endParaRPr lang="ko-KR" altLang="en-US" sz="1100"/>
+          </a:p>
+        </p:txBody>
+      </p:sp>
+      <p:sp>
+        <p:nvSpPr>
+          <p:cNvPr id="15" name="TextBox 11">
+            <a:extLst>
+              <a:ext uri="{FF2B5EF4-FFF2-40B4-BE49-F238E27FC236}">
+                <a16:creationId xmlns:a16="http://schemas.microsoft.com/office/drawing/2014/main" id="{0930E7E8-75FC-4C19-9B87-ABC483C94E25}"/>
+              </a:ext>
+            </a:extLst>
+          </p:cNvPr>
+          <p:cNvSpPr txBox="1"/>
+          <p:nvPr/>
+        </p:nvSpPr>
+        <p:spPr>
+          <a:xfrm>
+            <a:off x="10661586" y="340684"/>
+            <a:ext cx="667170" cy="338554"/>
+          </a:xfrm>
+          <a:prstGeom prst="rect">
+            <a:avLst/>
+          </a:prstGeom>
+          <a:noFill/>
+        </p:spPr>
+        <p:txBody>
+          <a:bodyPr wrap="none" rtlCol="0">
+            <a:spAutoFit/>
+          </a:bodyPr>
+          <a:lstStyle>
+            <a:defPPr>
+              <a:defRPr lang="ko-KR"/>
+            </a:defPPr>
+            <a:lvl1pPr marL="0" algn="l" defTabSz="914400" rtl="0" eaLnBrk="1" latinLnBrk="1" hangingPunct="1">
+              <a:defRPr sz="1800" kern="1200">
+                <a:solidFill>
+                  <a:schemeClr val="tx1"/>
+                </a:solidFill>
+                <a:latin typeface="+mn-lt"/>
+                <a:ea typeface="+mn-ea"/>
+                <a:cs typeface="+mn-cs"/>
+              </a:defRPr>
+            </a:lvl1pPr>
+            <a:lvl2pPr marL="457200" algn="l" defTabSz="914400" rtl="0" eaLnBrk="1" latinLnBrk="1" hangingPunct="1">
+              <a:defRPr sz="1800" kern="1200">
+                <a:solidFill>
+                  <a:schemeClr val="tx1"/>
+                </a:solidFill>
+                <a:latin typeface="+mn-lt"/>
+                <a:ea typeface="+mn-ea"/>
+                <a:cs typeface="+mn-cs"/>
+              </a:defRPr>
+            </a:lvl2pPr>
+            <a:lvl3pPr marL="914400" algn="l" defTabSz="914400" rtl="0" eaLnBrk="1" latinLnBrk="1" hangingPunct="1">
+              <a:defRPr sz="1800" kern="1200">
+                <a:solidFill>
+                  <a:schemeClr val="tx1"/>
+                </a:solidFill>
+                <a:latin typeface="+mn-lt"/>
+                <a:ea typeface="+mn-ea"/>
+                <a:cs typeface="+mn-cs"/>
+              </a:defRPr>
+            </a:lvl3pPr>
+            <a:lvl4pPr marL="1371600" algn="l" defTabSz="914400" rtl="0" eaLnBrk="1" latinLnBrk="1" hangingPunct="1">
+              <a:defRPr sz="1800" kern="1200">
+                <a:solidFill>
+                  <a:schemeClr val="tx1"/>
+                </a:solidFill>
+                <a:latin typeface="+mn-lt"/>
+                <a:ea typeface="+mn-ea"/>
+                <a:cs typeface="+mn-cs"/>
+              </a:defRPr>
+            </a:lvl4pPr>
+            <a:lvl5pPr marL="1828800" algn="l" defTabSz="914400" rtl="0" eaLnBrk="1" latinLnBrk="1" hangingPunct="1">
+              <a:defRPr sz="1800" kern="1200">
+                <a:solidFill>
+                  <a:schemeClr val="tx1"/>
+                </a:solidFill>
+                <a:latin typeface="+mn-lt"/>
+                <a:ea typeface="+mn-ea"/>
+                <a:cs typeface="+mn-cs"/>
+              </a:defRPr>
+            </a:lvl5pPr>
+            <a:lvl6pPr marL="2286000" algn="l" defTabSz="914400" rtl="0" eaLnBrk="1" latinLnBrk="1" hangingPunct="1">
+              <a:defRPr sz="1800" kern="1200">
+                <a:solidFill>
+                  <a:schemeClr val="tx1"/>
+                </a:solidFill>
+                <a:latin typeface="+mn-lt"/>
+                <a:ea typeface="+mn-ea"/>
+                <a:cs typeface="+mn-cs"/>
+              </a:defRPr>
+            </a:lvl6pPr>
+            <a:lvl7pPr marL="2743200" algn="l" defTabSz="914400" rtl="0" eaLnBrk="1" latinLnBrk="1" hangingPunct="1">
+              <a:defRPr sz="1800" kern="1200">
+                <a:solidFill>
+                  <a:schemeClr val="tx1"/>
+                </a:solidFill>
+                <a:latin typeface="+mn-lt"/>
+                <a:ea typeface="+mn-ea"/>
+                <a:cs typeface="+mn-cs"/>
+              </a:defRPr>
+            </a:lvl7pPr>
+            <a:lvl8pPr marL="3200400" algn="l" defTabSz="914400" rtl="0" eaLnBrk="1" latinLnBrk="1" hangingPunct="1">
+              <a:defRPr sz="1800" kern="1200">
+                <a:solidFill>
+                  <a:schemeClr val="tx1"/>
+                </a:solidFill>
+                <a:latin typeface="+mn-lt"/>
+                <a:ea typeface="+mn-ea"/>
+                <a:cs typeface="+mn-cs"/>
+              </a:defRPr>
+            </a:lvl8pPr>
+            <a:lvl9pPr marL="3657600" algn="l" defTabSz="914400" rtl="0" eaLnBrk="1" latinLnBrk="1" hangingPunct="1">
+              <a:defRPr sz="1800" kern="1200">
+                <a:solidFill>
+                  <a:schemeClr val="tx1"/>
+                </a:solidFill>
+                <a:latin typeface="+mn-lt"/>
+                <a:ea typeface="+mn-ea"/>
+                <a:cs typeface="+mn-cs"/>
+              </a:defRPr>
+            </a:lvl9pPr>
+          </a:lstStyle>
+          <a:p>
+            <a:r>
+              <a:rPr lang="en-US" altLang="ko-KR" sz="1600" b="1" dirty="0">
+                <a:solidFill>
+                  <a:schemeClr val="bg1"/>
+                </a:solidFill>
+              </a:rPr>
+              <a:t>P264</a:t>
+            </a:r>
+            <a:endParaRPr lang="ko-KR" altLang="en-US" sz="1600" b="1" dirty="0">
+              <a:solidFill>
+                <a:schemeClr val="bg1"/>
+              </a:solidFill>
+            </a:endParaRPr>
           </a:p>
         </p:txBody>
       </p:sp>
@@ -19342,6 +21274,144 @@
           </a:p>
         </p:txBody>
       </p:sp>
+      <p:sp>
+        <p:nvSpPr>
+          <p:cNvPr id="22" name="TextBox 11">
+            <a:extLst>
+              <a:ext uri="{FF2B5EF4-FFF2-40B4-BE49-F238E27FC236}">
+                <a16:creationId xmlns:a16="http://schemas.microsoft.com/office/drawing/2014/main" id="{38EDB490-0050-46C3-B2D0-B5BC1D869E19}"/>
+              </a:ext>
+            </a:extLst>
+          </p:cNvPr>
+          <p:cNvSpPr txBox="1"/>
+          <p:nvPr/>
+        </p:nvSpPr>
+        <p:spPr>
+          <a:xfrm>
+            <a:off x="10661586" y="340684"/>
+            <a:ext cx="1107996" cy="338554"/>
+          </a:xfrm>
+          <a:prstGeom prst="rect">
+            <a:avLst/>
+          </a:prstGeom>
+          <a:noFill/>
+        </p:spPr>
+        <p:txBody>
+          <a:bodyPr wrap="none" rtlCol="0">
+            <a:spAutoFit/>
+          </a:bodyPr>
+          <a:lstStyle>
+            <a:defPPr>
+              <a:defRPr lang="ko-KR"/>
+            </a:defPPr>
+            <a:lvl1pPr marL="0" algn="l" defTabSz="914400" rtl="0" eaLnBrk="1" latinLnBrk="1" hangingPunct="1">
+              <a:defRPr sz="1800" kern="1200">
+                <a:solidFill>
+                  <a:schemeClr val="tx1"/>
+                </a:solidFill>
+                <a:latin typeface="+mn-lt"/>
+                <a:ea typeface="+mn-ea"/>
+                <a:cs typeface="+mn-cs"/>
+              </a:defRPr>
+            </a:lvl1pPr>
+            <a:lvl2pPr marL="457200" algn="l" defTabSz="914400" rtl="0" eaLnBrk="1" latinLnBrk="1" hangingPunct="1">
+              <a:defRPr sz="1800" kern="1200">
+                <a:solidFill>
+                  <a:schemeClr val="tx1"/>
+                </a:solidFill>
+                <a:latin typeface="+mn-lt"/>
+                <a:ea typeface="+mn-ea"/>
+                <a:cs typeface="+mn-cs"/>
+              </a:defRPr>
+            </a:lvl2pPr>
+            <a:lvl3pPr marL="914400" algn="l" defTabSz="914400" rtl="0" eaLnBrk="1" latinLnBrk="1" hangingPunct="1">
+              <a:defRPr sz="1800" kern="1200">
+                <a:solidFill>
+                  <a:schemeClr val="tx1"/>
+                </a:solidFill>
+                <a:latin typeface="+mn-lt"/>
+                <a:ea typeface="+mn-ea"/>
+                <a:cs typeface="+mn-cs"/>
+              </a:defRPr>
+            </a:lvl3pPr>
+            <a:lvl4pPr marL="1371600" algn="l" defTabSz="914400" rtl="0" eaLnBrk="1" latinLnBrk="1" hangingPunct="1">
+              <a:defRPr sz="1800" kern="1200">
+                <a:solidFill>
+                  <a:schemeClr val="tx1"/>
+                </a:solidFill>
+                <a:latin typeface="+mn-lt"/>
+                <a:ea typeface="+mn-ea"/>
+                <a:cs typeface="+mn-cs"/>
+              </a:defRPr>
+            </a:lvl4pPr>
+            <a:lvl5pPr marL="1828800" algn="l" defTabSz="914400" rtl="0" eaLnBrk="1" latinLnBrk="1" hangingPunct="1">
+              <a:defRPr sz="1800" kern="1200">
+                <a:solidFill>
+                  <a:schemeClr val="tx1"/>
+                </a:solidFill>
+                <a:latin typeface="+mn-lt"/>
+                <a:ea typeface="+mn-ea"/>
+                <a:cs typeface="+mn-cs"/>
+              </a:defRPr>
+            </a:lvl5pPr>
+            <a:lvl6pPr marL="2286000" algn="l" defTabSz="914400" rtl="0" eaLnBrk="1" latinLnBrk="1" hangingPunct="1">
+              <a:defRPr sz="1800" kern="1200">
+                <a:solidFill>
+                  <a:schemeClr val="tx1"/>
+                </a:solidFill>
+                <a:latin typeface="+mn-lt"/>
+                <a:ea typeface="+mn-ea"/>
+                <a:cs typeface="+mn-cs"/>
+              </a:defRPr>
+            </a:lvl6pPr>
+            <a:lvl7pPr marL="2743200" algn="l" defTabSz="914400" rtl="0" eaLnBrk="1" latinLnBrk="1" hangingPunct="1">
+              <a:defRPr sz="1800" kern="1200">
+                <a:solidFill>
+                  <a:schemeClr val="tx1"/>
+                </a:solidFill>
+                <a:latin typeface="+mn-lt"/>
+                <a:ea typeface="+mn-ea"/>
+                <a:cs typeface="+mn-cs"/>
+              </a:defRPr>
+            </a:lvl7pPr>
+            <a:lvl8pPr marL="3200400" algn="l" defTabSz="914400" rtl="0" eaLnBrk="1" latinLnBrk="1" hangingPunct="1">
+              <a:defRPr sz="1800" kern="1200">
+                <a:solidFill>
+                  <a:schemeClr val="tx1"/>
+                </a:solidFill>
+                <a:latin typeface="+mn-lt"/>
+                <a:ea typeface="+mn-ea"/>
+                <a:cs typeface="+mn-cs"/>
+              </a:defRPr>
+            </a:lvl8pPr>
+            <a:lvl9pPr marL="3657600" algn="l" defTabSz="914400" rtl="0" eaLnBrk="1" latinLnBrk="1" hangingPunct="1">
+              <a:defRPr sz="1800" kern="1200">
+                <a:solidFill>
+                  <a:schemeClr val="tx1"/>
+                </a:solidFill>
+                <a:latin typeface="+mn-lt"/>
+                <a:ea typeface="+mn-ea"/>
+                <a:cs typeface="+mn-cs"/>
+              </a:defRPr>
+            </a:lvl9pPr>
+          </a:lstStyle>
+          <a:p>
+            <a:r>
+              <a:rPr lang="en-US" altLang="ko-KR" sz="1600" b="1" dirty="0">
+                <a:solidFill>
+                  <a:schemeClr val="bg1"/>
+                </a:solidFill>
+              </a:rPr>
+              <a:t>P265-266</a:t>
+            </a:r>
+            <a:endParaRPr lang="ko-KR" altLang="en-US" sz="1600" b="1" dirty="0">
+              <a:solidFill>
+                <a:schemeClr val="bg1"/>
+              </a:solidFill>
+            </a:endParaRPr>
+          </a:p>
+        </p:txBody>
+      </p:sp>
     </p:spTree>
     <p:extLst>
       <p:ext uri="{BB962C8B-B14F-4D97-AF65-F5344CB8AC3E}">
@@ -19852,6 +21922,144 @@
           </a:prstGeom>
         </p:spPr>
       </p:pic>
+      <p:sp>
+        <p:nvSpPr>
+          <p:cNvPr id="11" name="TextBox 11">
+            <a:extLst>
+              <a:ext uri="{FF2B5EF4-FFF2-40B4-BE49-F238E27FC236}">
+                <a16:creationId xmlns:a16="http://schemas.microsoft.com/office/drawing/2014/main" id="{52526858-26E1-43CA-978B-8F1751F29D41}"/>
+              </a:ext>
+            </a:extLst>
+          </p:cNvPr>
+          <p:cNvSpPr txBox="1"/>
+          <p:nvPr/>
+        </p:nvSpPr>
+        <p:spPr>
+          <a:xfrm>
+            <a:off x="10661586" y="340684"/>
+            <a:ext cx="667170" cy="338554"/>
+          </a:xfrm>
+          <a:prstGeom prst="rect">
+            <a:avLst/>
+          </a:prstGeom>
+          <a:noFill/>
+        </p:spPr>
+        <p:txBody>
+          <a:bodyPr wrap="none" rtlCol="0">
+            <a:spAutoFit/>
+          </a:bodyPr>
+          <a:lstStyle>
+            <a:defPPr>
+              <a:defRPr lang="ko-KR"/>
+            </a:defPPr>
+            <a:lvl1pPr marL="0" algn="l" defTabSz="914400" rtl="0" eaLnBrk="1" latinLnBrk="1" hangingPunct="1">
+              <a:defRPr sz="1800" kern="1200">
+                <a:solidFill>
+                  <a:schemeClr val="tx1"/>
+                </a:solidFill>
+                <a:latin typeface="+mn-lt"/>
+                <a:ea typeface="+mn-ea"/>
+                <a:cs typeface="+mn-cs"/>
+              </a:defRPr>
+            </a:lvl1pPr>
+            <a:lvl2pPr marL="457200" algn="l" defTabSz="914400" rtl="0" eaLnBrk="1" latinLnBrk="1" hangingPunct="1">
+              <a:defRPr sz="1800" kern="1200">
+                <a:solidFill>
+                  <a:schemeClr val="tx1"/>
+                </a:solidFill>
+                <a:latin typeface="+mn-lt"/>
+                <a:ea typeface="+mn-ea"/>
+                <a:cs typeface="+mn-cs"/>
+              </a:defRPr>
+            </a:lvl2pPr>
+            <a:lvl3pPr marL="914400" algn="l" defTabSz="914400" rtl="0" eaLnBrk="1" latinLnBrk="1" hangingPunct="1">
+              <a:defRPr sz="1800" kern="1200">
+                <a:solidFill>
+                  <a:schemeClr val="tx1"/>
+                </a:solidFill>
+                <a:latin typeface="+mn-lt"/>
+                <a:ea typeface="+mn-ea"/>
+                <a:cs typeface="+mn-cs"/>
+              </a:defRPr>
+            </a:lvl3pPr>
+            <a:lvl4pPr marL="1371600" algn="l" defTabSz="914400" rtl="0" eaLnBrk="1" latinLnBrk="1" hangingPunct="1">
+              <a:defRPr sz="1800" kern="1200">
+                <a:solidFill>
+                  <a:schemeClr val="tx1"/>
+                </a:solidFill>
+                <a:latin typeface="+mn-lt"/>
+                <a:ea typeface="+mn-ea"/>
+                <a:cs typeface="+mn-cs"/>
+              </a:defRPr>
+            </a:lvl4pPr>
+            <a:lvl5pPr marL="1828800" algn="l" defTabSz="914400" rtl="0" eaLnBrk="1" latinLnBrk="1" hangingPunct="1">
+              <a:defRPr sz="1800" kern="1200">
+                <a:solidFill>
+                  <a:schemeClr val="tx1"/>
+                </a:solidFill>
+                <a:latin typeface="+mn-lt"/>
+                <a:ea typeface="+mn-ea"/>
+                <a:cs typeface="+mn-cs"/>
+              </a:defRPr>
+            </a:lvl5pPr>
+            <a:lvl6pPr marL="2286000" algn="l" defTabSz="914400" rtl="0" eaLnBrk="1" latinLnBrk="1" hangingPunct="1">
+              <a:defRPr sz="1800" kern="1200">
+                <a:solidFill>
+                  <a:schemeClr val="tx1"/>
+                </a:solidFill>
+                <a:latin typeface="+mn-lt"/>
+                <a:ea typeface="+mn-ea"/>
+                <a:cs typeface="+mn-cs"/>
+              </a:defRPr>
+            </a:lvl6pPr>
+            <a:lvl7pPr marL="2743200" algn="l" defTabSz="914400" rtl="0" eaLnBrk="1" latinLnBrk="1" hangingPunct="1">
+              <a:defRPr sz="1800" kern="1200">
+                <a:solidFill>
+                  <a:schemeClr val="tx1"/>
+                </a:solidFill>
+                <a:latin typeface="+mn-lt"/>
+                <a:ea typeface="+mn-ea"/>
+                <a:cs typeface="+mn-cs"/>
+              </a:defRPr>
+            </a:lvl7pPr>
+            <a:lvl8pPr marL="3200400" algn="l" defTabSz="914400" rtl="0" eaLnBrk="1" latinLnBrk="1" hangingPunct="1">
+              <a:defRPr sz="1800" kern="1200">
+                <a:solidFill>
+                  <a:schemeClr val="tx1"/>
+                </a:solidFill>
+                <a:latin typeface="+mn-lt"/>
+                <a:ea typeface="+mn-ea"/>
+                <a:cs typeface="+mn-cs"/>
+              </a:defRPr>
+            </a:lvl8pPr>
+            <a:lvl9pPr marL="3657600" algn="l" defTabSz="914400" rtl="0" eaLnBrk="1" latinLnBrk="1" hangingPunct="1">
+              <a:defRPr sz="1800" kern="1200">
+                <a:solidFill>
+                  <a:schemeClr val="tx1"/>
+                </a:solidFill>
+                <a:latin typeface="+mn-lt"/>
+                <a:ea typeface="+mn-ea"/>
+                <a:cs typeface="+mn-cs"/>
+              </a:defRPr>
+            </a:lvl9pPr>
+          </a:lstStyle>
+          <a:p>
+            <a:r>
+              <a:rPr lang="en-US" altLang="ko-KR" sz="1600" b="1" dirty="0">
+                <a:solidFill>
+                  <a:schemeClr val="bg1"/>
+                </a:solidFill>
+              </a:rPr>
+              <a:t>P268</a:t>
+            </a:r>
+            <a:endParaRPr lang="ko-KR" altLang="en-US" sz="1600" b="1" dirty="0">
+              <a:solidFill>
+                <a:schemeClr val="bg1"/>
+              </a:solidFill>
+            </a:endParaRPr>
+          </a:p>
+        </p:txBody>
+      </p:sp>
     </p:spTree>
     <p:extLst>
       <p:ext uri="{BB962C8B-B14F-4D97-AF65-F5344CB8AC3E}">
@@ -20484,6 +22692,144 @@
           </a:prstGeom>
         </p:spPr>
       </p:pic>
+      <p:sp>
+        <p:nvSpPr>
+          <p:cNvPr id="14" name="TextBox 11">
+            <a:extLst>
+              <a:ext uri="{FF2B5EF4-FFF2-40B4-BE49-F238E27FC236}">
+                <a16:creationId xmlns:a16="http://schemas.microsoft.com/office/drawing/2014/main" id="{50C7F2D4-68F1-4C85-9FD5-08D4C5245CE7}"/>
+              </a:ext>
+            </a:extLst>
+          </p:cNvPr>
+          <p:cNvSpPr txBox="1"/>
+          <p:nvPr/>
+        </p:nvSpPr>
+        <p:spPr>
+          <a:xfrm>
+            <a:off x="10661586" y="340684"/>
+            <a:ext cx="1107996" cy="338554"/>
+          </a:xfrm>
+          <a:prstGeom prst="rect">
+            <a:avLst/>
+          </a:prstGeom>
+          <a:noFill/>
+        </p:spPr>
+        <p:txBody>
+          <a:bodyPr wrap="none" rtlCol="0">
+            <a:spAutoFit/>
+          </a:bodyPr>
+          <a:lstStyle>
+            <a:defPPr>
+              <a:defRPr lang="ko-KR"/>
+            </a:defPPr>
+            <a:lvl1pPr marL="0" algn="l" defTabSz="914400" rtl="0" eaLnBrk="1" latinLnBrk="1" hangingPunct="1">
+              <a:defRPr sz="1800" kern="1200">
+                <a:solidFill>
+                  <a:schemeClr val="tx1"/>
+                </a:solidFill>
+                <a:latin typeface="+mn-lt"/>
+                <a:ea typeface="+mn-ea"/>
+                <a:cs typeface="+mn-cs"/>
+              </a:defRPr>
+            </a:lvl1pPr>
+            <a:lvl2pPr marL="457200" algn="l" defTabSz="914400" rtl="0" eaLnBrk="1" latinLnBrk="1" hangingPunct="1">
+              <a:defRPr sz="1800" kern="1200">
+                <a:solidFill>
+                  <a:schemeClr val="tx1"/>
+                </a:solidFill>
+                <a:latin typeface="+mn-lt"/>
+                <a:ea typeface="+mn-ea"/>
+                <a:cs typeface="+mn-cs"/>
+              </a:defRPr>
+            </a:lvl2pPr>
+            <a:lvl3pPr marL="914400" algn="l" defTabSz="914400" rtl="0" eaLnBrk="1" latinLnBrk="1" hangingPunct="1">
+              <a:defRPr sz="1800" kern="1200">
+                <a:solidFill>
+                  <a:schemeClr val="tx1"/>
+                </a:solidFill>
+                <a:latin typeface="+mn-lt"/>
+                <a:ea typeface="+mn-ea"/>
+                <a:cs typeface="+mn-cs"/>
+              </a:defRPr>
+            </a:lvl3pPr>
+            <a:lvl4pPr marL="1371600" algn="l" defTabSz="914400" rtl="0" eaLnBrk="1" latinLnBrk="1" hangingPunct="1">
+              <a:defRPr sz="1800" kern="1200">
+                <a:solidFill>
+                  <a:schemeClr val="tx1"/>
+                </a:solidFill>
+                <a:latin typeface="+mn-lt"/>
+                <a:ea typeface="+mn-ea"/>
+                <a:cs typeface="+mn-cs"/>
+              </a:defRPr>
+            </a:lvl4pPr>
+            <a:lvl5pPr marL="1828800" algn="l" defTabSz="914400" rtl="0" eaLnBrk="1" latinLnBrk="1" hangingPunct="1">
+              <a:defRPr sz="1800" kern="1200">
+                <a:solidFill>
+                  <a:schemeClr val="tx1"/>
+                </a:solidFill>
+                <a:latin typeface="+mn-lt"/>
+                <a:ea typeface="+mn-ea"/>
+                <a:cs typeface="+mn-cs"/>
+              </a:defRPr>
+            </a:lvl5pPr>
+            <a:lvl6pPr marL="2286000" algn="l" defTabSz="914400" rtl="0" eaLnBrk="1" latinLnBrk="1" hangingPunct="1">
+              <a:defRPr sz="1800" kern="1200">
+                <a:solidFill>
+                  <a:schemeClr val="tx1"/>
+                </a:solidFill>
+                <a:latin typeface="+mn-lt"/>
+                <a:ea typeface="+mn-ea"/>
+                <a:cs typeface="+mn-cs"/>
+              </a:defRPr>
+            </a:lvl6pPr>
+            <a:lvl7pPr marL="2743200" algn="l" defTabSz="914400" rtl="0" eaLnBrk="1" latinLnBrk="1" hangingPunct="1">
+              <a:defRPr sz="1800" kern="1200">
+                <a:solidFill>
+                  <a:schemeClr val="tx1"/>
+                </a:solidFill>
+                <a:latin typeface="+mn-lt"/>
+                <a:ea typeface="+mn-ea"/>
+                <a:cs typeface="+mn-cs"/>
+              </a:defRPr>
+            </a:lvl7pPr>
+            <a:lvl8pPr marL="3200400" algn="l" defTabSz="914400" rtl="0" eaLnBrk="1" latinLnBrk="1" hangingPunct="1">
+              <a:defRPr sz="1800" kern="1200">
+                <a:solidFill>
+                  <a:schemeClr val="tx1"/>
+                </a:solidFill>
+                <a:latin typeface="+mn-lt"/>
+                <a:ea typeface="+mn-ea"/>
+                <a:cs typeface="+mn-cs"/>
+              </a:defRPr>
+            </a:lvl8pPr>
+            <a:lvl9pPr marL="3657600" algn="l" defTabSz="914400" rtl="0" eaLnBrk="1" latinLnBrk="1" hangingPunct="1">
+              <a:defRPr sz="1800" kern="1200">
+                <a:solidFill>
+                  <a:schemeClr val="tx1"/>
+                </a:solidFill>
+                <a:latin typeface="+mn-lt"/>
+                <a:ea typeface="+mn-ea"/>
+                <a:cs typeface="+mn-cs"/>
+              </a:defRPr>
+            </a:lvl9pPr>
+          </a:lstStyle>
+          <a:p>
+            <a:r>
+              <a:rPr lang="en-US" altLang="ko-KR" sz="1600" b="1" dirty="0">
+                <a:solidFill>
+                  <a:schemeClr val="bg1"/>
+                </a:solidFill>
+              </a:rPr>
+              <a:t>P269-270</a:t>
+            </a:r>
+            <a:endParaRPr lang="ko-KR" altLang="en-US" sz="1600" b="1" dirty="0">
+              <a:solidFill>
+                <a:schemeClr val="bg1"/>
+              </a:solidFill>
+            </a:endParaRPr>
+          </a:p>
+        </p:txBody>
+      </p:sp>
     </p:spTree>
     <p:extLst>
       <p:ext uri="{BB962C8B-B14F-4D97-AF65-F5344CB8AC3E}">
@@ -21203,6 +23549,144 @@
           </a:prstGeom>
         </p:spPr>
       </p:pic>
+      <p:sp>
+        <p:nvSpPr>
+          <p:cNvPr id="14" name="TextBox 11">
+            <a:extLst>
+              <a:ext uri="{FF2B5EF4-FFF2-40B4-BE49-F238E27FC236}">
+                <a16:creationId xmlns:a16="http://schemas.microsoft.com/office/drawing/2014/main" id="{7ED37A91-59C5-4887-8A48-F15743E9A3DD}"/>
+              </a:ext>
+            </a:extLst>
+          </p:cNvPr>
+          <p:cNvSpPr txBox="1"/>
+          <p:nvPr/>
+        </p:nvSpPr>
+        <p:spPr>
+          <a:xfrm>
+            <a:off x="10661586" y="340684"/>
+            <a:ext cx="1107996" cy="338554"/>
+          </a:xfrm>
+          <a:prstGeom prst="rect">
+            <a:avLst/>
+          </a:prstGeom>
+          <a:noFill/>
+        </p:spPr>
+        <p:txBody>
+          <a:bodyPr wrap="none" rtlCol="0">
+            <a:spAutoFit/>
+          </a:bodyPr>
+          <a:lstStyle>
+            <a:defPPr>
+              <a:defRPr lang="ko-KR"/>
+            </a:defPPr>
+            <a:lvl1pPr marL="0" algn="l" defTabSz="914400" rtl="0" eaLnBrk="1" latinLnBrk="1" hangingPunct="1">
+              <a:defRPr sz="1800" kern="1200">
+                <a:solidFill>
+                  <a:schemeClr val="tx1"/>
+                </a:solidFill>
+                <a:latin typeface="+mn-lt"/>
+                <a:ea typeface="+mn-ea"/>
+                <a:cs typeface="+mn-cs"/>
+              </a:defRPr>
+            </a:lvl1pPr>
+            <a:lvl2pPr marL="457200" algn="l" defTabSz="914400" rtl="0" eaLnBrk="1" latinLnBrk="1" hangingPunct="1">
+              <a:defRPr sz="1800" kern="1200">
+                <a:solidFill>
+                  <a:schemeClr val="tx1"/>
+                </a:solidFill>
+                <a:latin typeface="+mn-lt"/>
+                <a:ea typeface="+mn-ea"/>
+                <a:cs typeface="+mn-cs"/>
+              </a:defRPr>
+            </a:lvl2pPr>
+            <a:lvl3pPr marL="914400" algn="l" defTabSz="914400" rtl="0" eaLnBrk="1" latinLnBrk="1" hangingPunct="1">
+              <a:defRPr sz="1800" kern="1200">
+                <a:solidFill>
+                  <a:schemeClr val="tx1"/>
+                </a:solidFill>
+                <a:latin typeface="+mn-lt"/>
+                <a:ea typeface="+mn-ea"/>
+                <a:cs typeface="+mn-cs"/>
+              </a:defRPr>
+            </a:lvl3pPr>
+            <a:lvl4pPr marL="1371600" algn="l" defTabSz="914400" rtl="0" eaLnBrk="1" latinLnBrk="1" hangingPunct="1">
+              <a:defRPr sz="1800" kern="1200">
+                <a:solidFill>
+                  <a:schemeClr val="tx1"/>
+                </a:solidFill>
+                <a:latin typeface="+mn-lt"/>
+                <a:ea typeface="+mn-ea"/>
+                <a:cs typeface="+mn-cs"/>
+              </a:defRPr>
+            </a:lvl4pPr>
+            <a:lvl5pPr marL="1828800" algn="l" defTabSz="914400" rtl="0" eaLnBrk="1" latinLnBrk="1" hangingPunct="1">
+              <a:defRPr sz="1800" kern="1200">
+                <a:solidFill>
+                  <a:schemeClr val="tx1"/>
+                </a:solidFill>
+                <a:latin typeface="+mn-lt"/>
+                <a:ea typeface="+mn-ea"/>
+                <a:cs typeface="+mn-cs"/>
+              </a:defRPr>
+            </a:lvl5pPr>
+            <a:lvl6pPr marL="2286000" algn="l" defTabSz="914400" rtl="0" eaLnBrk="1" latinLnBrk="1" hangingPunct="1">
+              <a:defRPr sz="1800" kern="1200">
+                <a:solidFill>
+                  <a:schemeClr val="tx1"/>
+                </a:solidFill>
+                <a:latin typeface="+mn-lt"/>
+                <a:ea typeface="+mn-ea"/>
+                <a:cs typeface="+mn-cs"/>
+              </a:defRPr>
+            </a:lvl6pPr>
+            <a:lvl7pPr marL="2743200" algn="l" defTabSz="914400" rtl="0" eaLnBrk="1" latinLnBrk="1" hangingPunct="1">
+              <a:defRPr sz="1800" kern="1200">
+                <a:solidFill>
+                  <a:schemeClr val="tx1"/>
+                </a:solidFill>
+                <a:latin typeface="+mn-lt"/>
+                <a:ea typeface="+mn-ea"/>
+                <a:cs typeface="+mn-cs"/>
+              </a:defRPr>
+            </a:lvl7pPr>
+            <a:lvl8pPr marL="3200400" algn="l" defTabSz="914400" rtl="0" eaLnBrk="1" latinLnBrk="1" hangingPunct="1">
+              <a:defRPr sz="1800" kern="1200">
+                <a:solidFill>
+                  <a:schemeClr val="tx1"/>
+                </a:solidFill>
+                <a:latin typeface="+mn-lt"/>
+                <a:ea typeface="+mn-ea"/>
+                <a:cs typeface="+mn-cs"/>
+              </a:defRPr>
+            </a:lvl8pPr>
+            <a:lvl9pPr marL="3657600" algn="l" defTabSz="914400" rtl="0" eaLnBrk="1" latinLnBrk="1" hangingPunct="1">
+              <a:defRPr sz="1800" kern="1200">
+                <a:solidFill>
+                  <a:schemeClr val="tx1"/>
+                </a:solidFill>
+                <a:latin typeface="+mn-lt"/>
+                <a:ea typeface="+mn-ea"/>
+                <a:cs typeface="+mn-cs"/>
+              </a:defRPr>
+            </a:lvl9pPr>
+          </a:lstStyle>
+          <a:p>
+            <a:r>
+              <a:rPr lang="en-US" altLang="ko-KR" sz="1600" b="1" dirty="0">
+                <a:solidFill>
+                  <a:schemeClr val="bg1"/>
+                </a:solidFill>
+              </a:rPr>
+              <a:t>P271-272</a:t>
+            </a:r>
+            <a:endParaRPr lang="ko-KR" altLang="en-US" sz="1600" b="1" dirty="0">
+              <a:solidFill>
+                <a:schemeClr val="bg1"/>
+              </a:solidFill>
+            </a:endParaRPr>
+          </a:p>
+        </p:txBody>
+      </p:sp>
     </p:spTree>
     <p:extLst>
       <p:ext uri="{BB962C8B-B14F-4D97-AF65-F5344CB8AC3E}">
